--- a/Suscripcion_tipo_nexflit.pptx
+++ b/Suscripcion_tipo_nexflit.pptx
@@ -5,22 +5,22 @@
     <p:sldMasterId id="2147483648" r:id="rId1"/>
   </p:sldMasterIdLst>
   <p:sldIdLst>
-    <p:sldId id="257" r:id="rId3"/>
-    <p:sldId id="258" r:id="rId4"/>
-    <p:sldId id="260" r:id="rId5"/>
-    <p:sldId id="259" r:id="rId6"/>
-    <p:sldId id="274" r:id="rId7"/>
-    <p:sldId id="275" r:id="rId8"/>
-    <p:sldId id="276" r:id="rId9"/>
-    <p:sldId id="277" r:id="rId10"/>
-    <p:sldId id="283" r:id="rId11"/>
-    <p:sldId id="282" r:id="rId12"/>
-    <p:sldId id="278" r:id="rId13"/>
-    <p:sldId id="266" r:id="rId14"/>
-    <p:sldId id="279" r:id="rId15"/>
-    <p:sldId id="280" r:id="rId16"/>
-    <p:sldId id="281" r:id="rId17"/>
-    <p:sldId id="284" r:id="rId18"/>
+    <p:sldId id="257" r:id="rId2"/>
+    <p:sldId id="258" r:id="rId3"/>
+    <p:sldId id="260" r:id="rId4"/>
+    <p:sldId id="259" r:id="rId5"/>
+    <p:sldId id="274" r:id="rId6"/>
+    <p:sldId id="275" r:id="rId7"/>
+    <p:sldId id="276" r:id="rId8"/>
+    <p:sldId id="277" r:id="rId9"/>
+    <p:sldId id="283" r:id="rId10"/>
+    <p:sldId id="282" r:id="rId11"/>
+    <p:sldId id="278" r:id="rId12"/>
+    <p:sldId id="266" r:id="rId13"/>
+    <p:sldId id="279" r:id="rId14"/>
+    <p:sldId id="280" r:id="rId15"/>
+    <p:sldId id="281" r:id="rId16"/>
+    <p:sldId id="284" r:id="rId17"/>
   </p:sldIdLst>
   <p:sldSz cx="12192000" cy="6858000"/>
   <p:notesSz cx="6858000" cy="9144000"/>
@@ -119,6 +119,11 @@
       </a:defRPr>
     </a:lvl9pPr>
   </p:defaultTextStyle>
+  <p:extLst>
+    <p:ext uri="{EFAFB233-063F-42B5-8137-9DF3F51BA10A}">
+      <p15:sldGuideLst xmlns:p15="http://schemas.microsoft.com/office/powerpoint/2012/main"/>
+    </p:ext>
+  </p:extLst>
 </p:presentation>
 </file>
 
@@ -253,6 +258,7 @@
           <a:p>
             <a:fld id="{9C9207EC-513D-44BB-92CB-2657665B415D}" type="datetimeFigureOut">
               <a:rPr lang="es-PE" smtClean="0"/>
+              <a:t>27/07/2024</a:t>
             </a:fld>
             <a:endParaRPr lang="es-PE"/>
           </a:p>
@@ -294,6 +300,7 @@
           <a:p>
             <a:fld id="{1FFC7EB0-AD60-41AF-8402-6A898538BD88}" type="slidenum">
               <a:rPr lang="es-PE" smtClean="0"/>
+              <a:t>‹Nº›</a:t>
             </a:fld>
             <a:endParaRPr lang="es-PE"/>
           </a:p>
@@ -367,7 +374,6 @@
               <a:rPr lang="es-ES"/>
               <a:t>Haga clic para modificar los estilos de texto del patrón</a:t>
             </a:r>
-            <a:endParaRPr lang="es-ES"/>
           </a:p>
           <a:p>
             <a:pPr lvl="1"/>
@@ -375,7 +381,6 @@
               <a:rPr lang="es-ES"/>
               <a:t>Segundo nivel</a:t>
             </a:r>
-            <a:endParaRPr lang="es-ES"/>
           </a:p>
           <a:p>
             <a:pPr lvl="2"/>
@@ -383,7 +388,6 @@
               <a:rPr lang="es-ES"/>
               <a:t>Tercer nivel</a:t>
             </a:r>
-            <a:endParaRPr lang="es-ES"/>
           </a:p>
           <a:p>
             <a:pPr lvl="3"/>
@@ -391,7 +395,6 @@
               <a:rPr lang="es-ES"/>
               <a:t>Cuarto nivel</a:t>
             </a:r>
-            <a:endParaRPr lang="es-ES"/>
           </a:p>
           <a:p>
             <a:pPr lvl="4"/>
@@ -420,6 +423,7 @@
           <a:p>
             <a:fld id="{9C9207EC-513D-44BB-92CB-2657665B415D}" type="datetimeFigureOut">
               <a:rPr lang="es-PE" smtClean="0"/>
+              <a:t>27/07/2024</a:t>
             </a:fld>
             <a:endParaRPr lang="es-PE"/>
           </a:p>
@@ -461,6 +465,7 @@
           <a:p>
             <a:fld id="{1FFC7EB0-AD60-41AF-8402-6A898538BD88}" type="slidenum">
               <a:rPr lang="es-PE" smtClean="0"/>
+              <a:t>‹Nº›</a:t>
             </a:fld>
             <a:endParaRPr lang="es-PE"/>
           </a:p>
@@ -544,7 +549,6 @@
               <a:rPr lang="es-ES"/>
               <a:t>Haga clic para modificar los estilos de texto del patrón</a:t>
             </a:r>
-            <a:endParaRPr lang="es-ES"/>
           </a:p>
           <a:p>
             <a:pPr lvl="1"/>
@@ -552,7 +556,6 @@
               <a:rPr lang="es-ES"/>
               <a:t>Segundo nivel</a:t>
             </a:r>
-            <a:endParaRPr lang="es-ES"/>
           </a:p>
           <a:p>
             <a:pPr lvl="2"/>
@@ -560,7 +563,6 @@
               <a:rPr lang="es-ES"/>
               <a:t>Tercer nivel</a:t>
             </a:r>
-            <a:endParaRPr lang="es-ES"/>
           </a:p>
           <a:p>
             <a:pPr lvl="3"/>
@@ -568,7 +570,6 @@
               <a:rPr lang="es-ES"/>
               <a:t>Cuarto nivel</a:t>
             </a:r>
-            <a:endParaRPr lang="es-ES"/>
           </a:p>
           <a:p>
             <a:pPr lvl="4"/>
@@ -597,6 +598,7 @@
           <a:p>
             <a:fld id="{9C9207EC-513D-44BB-92CB-2657665B415D}" type="datetimeFigureOut">
               <a:rPr lang="es-PE" smtClean="0"/>
+              <a:t>27/07/2024</a:t>
             </a:fld>
             <a:endParaRPr lang="es-PE"/>
           </a:p>
@@ -638,6 +640,7 @@
           <a:p>
             <a:fld id="{1FFC7EB0-AD60-41AF-8402-6A898538BD88}" type="slidenum">
               <a:rPr lang="es-PE" smtClean="0"/>
+              <a:t>‹Nº›</a:t>
             </a:fld>
             <a:endParaRPr lang="es-PE"/>
           </a:p>
@@ -711,7 +714,6 @@
               <a:rPr lang="es-ES"/>
               <a:t>Haga clic para modificar los estilos de texto del patrón</a:t>
             </a:r>
-            <a:endParaRPr lang="es-ES"/>
           </a:p>
           <a:p>
             <a:pPr lvl="1"/>
@@ -719,7 +721,6 @@
               <a:rPr lang="es-ES"/>
               <a:t>Segundo nivel</a:t>
             </a:r>
-            <a:endParaRPr lang="es-ES"/>
           </a:p>
           <a:p>
             <a:pPr lvl="2"/>
@@ -727,7 +728,6 @@
               <a:rPr lang="es-ES"/>
               <a:t>Tercer nivel</a:t>
             </a:r>
-            <a:endParaRPr lang="es-ES"/>
           </a:p>
           <a:p>
             <a:pPr lvl="3"/>
@@ -735,7 +735,6 @@
               <a:rPr lang="es-ES"/>
               <a:t>Cuarto nivel</a:t>
             </a:r>
-            <a:endParaRPr lang="es-ES"/>
           </a:p>
           <a:p>
             <a:pPr lvl="4"/>
@@ -764,6 +763,7 @@
           <a:p>
             <a:fld id="{9C9207EC-513D-44BB-92CB-2657665B415D}" type="datetimeFigureOut">
               <a:rPr lang="es-PE" smtClean="0"/>
+              <a:t>27/07/2024</a:t>
             </a:fld>
             <a:endParaRPr lang="es-PE"/>
           </a:p>
@@ -805,6 +805,7 @@
           <a:p>
             <a:fld id="{1FFC7EB0-AD60-41AF-8402-6A898538BD88}" type="slidenum">
               <a:rPr lang="es-PE" smtClean="0"/>
+              <a:t>‹Nº›</a:t>
             </a:fld>
             <a:endParaRPr lang="es-PE"/>
           </a:p>
@@ -983,7 +984,6 @@
               <a:rPr lang="es-ES"/>
               <a:t>Haga clic para modificar los estilos de texto del patrón</a:t>
             </a:r>
-            <a:endParaRPr lang="es-ES"/>
           </a:p>
         </p:txBody>
       </p:sp>
@@ -1004,6 +1004,7 @@
           <a:p>
             <a:fld id="{9C9207EC-513D-44BB-92CB-2657665B415D}" type="datetimeFigureOut">
               <a:rPr lang="es-PE" smtClean="0"/>
+              <a:t>27/07/2024</a:t>
             </a:fld>
             <a:endParaRPr lang="es-PE"/>
           </a:p>
@@ -1045,6 +1046,7 @@
           <a:p>
             <a:fld id="{1FFC7EB0-AD60-41AF-8402-6A898538BD88}" type="slidenum">
               <a:rPr lang="es-PE" smtClean="0"/>
+              <a:t>‹Nº›</a:t>
             </a:fld>
             <a:endParaRPr lang="es-PE"/>
           </a:p>
@@ -1123,7 +1125,6 @@
               <a:rPr lang="es-ES"/>
               <a:t>Haga clic para modificar los estilos de texto del patrón</a:t>
             </a:r>
-            <a:endParaRPr lang="es-ES"/>
           </a:p>
           <a:p>
             <a:pPr lvl="1"/>
@@ -1131,7 +1132,6 @@
               <a:rPr lang="es-ES"/>
               <a:t>Segundo nivel</a:t>
             </a:r>
-            <a:endParaRPr lang="es-ES"/>
           </a:p>
           <a:p>
             <a:pPr lvl="2"/>
@@ -1139,7 +1139,6 @@
               <a:rPr lang="es-ES"/>
               <a:t>Tercer nivel</a:t>
             </a:r>
-            <a:endParaRPr lang="es-ES"/>
           </a:p>
           <a:p>
             <a:pPr lvl="3"/>
@@ -1147,7 +1146,6 @@
               <a:rPr lang="es-ES"/>
               <a:t>Cuarto nivel</a:t>
             </a:r>
-            <a:endParaRPr lang="es-ES"/>
           </a:p>
           <a:p>
             <a:pPr lvl="4"/>
@@ -1184,7 +1182,6 @@
               <a:rPr lang="es-ES"/>
               <a:t>Haga clic para modificar los estilos de texto del patrón</a:t>
             </a:r>
-            <a:endParaRPr lang="es-ES"/>
           </a:p>
           <a:p>
             <a:pPr lvl="1"/>
@@ -1192,7 +1189,6 @@
               <a:rPr lang="es-ES"/>
               <a:t>Segundo nivel</a:t>
             </a:r>
-            <a:endParaRPr lang="es-ES"/>
           </a:p>
           <a:p>
             <a:pPr lvl="2"/>
@@ -1200,7 +1196,6 @@
               <a:rPr lang="es-ES"/>
               <a:t>Tercer nivel</a:t>
             </a:r>
-            <a:endParaRPr lang="es-ES"/>
           </a:p>
           <a:p>
             <a:pPr lvl="3"/>
@@ -1208,7 +1203,6 @@
               <a:rPr lang="es-ES"/>
               <a:t>Cuarto nivel</a:t>
             </a:r>
-            <a:endParaRPr lang="es-ES"/>
           </a:p>
           <a:p>
             <a:pPr lvl="4"/>
@@ -1237,6 +1231,7 @@
           <a:p>
             <a:fld id="{9C9207EC-513D-44BB-92CB-2657665B415D}" type="datetimeFigureOut">
               <a:rPr lang="es-PE" smtClean="0"/>
+              <a:t>27/07/2024</a:t>
             </a:fld>
             <a:endParaRPr lang="es-PE"/>
           </a:p>
@@ -1278,6 +1273,7 @@
           <a:p>
             <a:fld id="{1FFC7EB0-AD60-41AF-8402-6A898538BD88}" type="slidenum">
               <a:rPr lang="es-PE" smtClean="0"/>
+              <a:t>‹Nº›</a:t>
             </a:fld>
             <a:endParaRPr lang="es-PE"/>
           </a:p>
@@ -1398,7 +1394,6 @@
               <a:rPr lang="es-ES"/>
               <a:t>Haga clic para modificar los estilos de texto del patrón</a:t>
             </a:r>
-            <a:endParaRPr lang="es-ES"/>
           </a:p>
         </p:txBody>
       </p:sp>
@@ -1427,7 +1422,6 @@
               <a:rPr lang="es-ES"/>
               <a:t>Haga clic para modificar los estilos de texto del patrón</a:t>
             </a:r>
-            <a:endParaRPr lang="es-ES"/>
           </a:p>
           <a:p>
             <a:pPr lvl="1"/>
@@ -1435,7 +1429,6 @@
               <a:rPr lang="es-ES"/>
               <a:t>Segundo nivel</a:t>
             </a:r>
-            <a:endParaRPr lang="es-ES"/>
           </a:p>
           <a:p>
             <a:pPr lvl="2"/>
@@ -1443,7 +1436,6 @@
               <a:rPr lang="es-ES"/>
               <a:t>Tercer nivel</a:t>
             </a:r>
-            <a:endParaRPr lang="es-ES"/>
           </a:p>
           <a:p>
             <a:pPr lvl="3"/>
@@ -1451,7 +1443,6 @@
               <a:rPr lang="es-ES"/>
               <a:t>Cuarto nivel</a:t>
             </a:r>
-            <a:endParaRPr lang="es-ES"/>
           </a:p>
           <a:p>
             <a:pPr lvl="4"/>
@@ -1525,7 +1516,6 @@
               <a:rPr lang="es-ES"/>
               <a:t>Haga clic para modificar los estilos de texto del patrón</a:t>
             </a:r>
-            <a:endParaRPr lang="es-ES"/>
           </a:p>
         </p:txBody>
       </p:sp>
@@ -1554,7 +1544,6 @@
               <a:rPr lang="es-ES"/>
               <a:t>Haga clic para modificar los estilos de texto del patrón</a:t>
             </a:r>
-            <a:endParaRPr lang="es-ES"/>
           </a:p>
           <a:p>
             <a:pPr lvl="1"/>
@@ -1562,7 +1551,6 @@
               <a:rPr lang="es-ES"/>
               <a:t>Segundo nivel</a:t>
             </a:r>
-            <a:endParaRPr lang="es-ES"/>
           </a:p>
           <a:p>
             <a:pPr lvl="2"/>
@@ -1570,7 +1558,6 @@
               <a:rPr lang="es-ES"/>
               <a:t>Tercer nivel</a:t>
             </a:r>
-            <a:endParaRPr lang="es-ES"/>
           </a:p>
           <a:p>
             <a:pPr lvl="3"/>
@@ -1578,7 +1565,6 @@
               <a:rPr lang="es-ES"/>
               <a:t>Cuarto nivel</a:t>
             </a:r>
-            <a:endParaRPr lang="es-ES"/>
           </a:p>
           <a:p>
             <a:pPr lvl="4"/>
@@ -1607,6 +1593,7 @@
           <a:p>
             <a:fld id="{9C9207EC-513D-44BB-92CB-2657665B415D}" type="datetimeFigureOut">
               <a:rPr lang="es-PE" smtClean="0"/>
+              <a:t>27/07/2024</a:t>
             </a:fld>
             <a:endParaRPr lang="es-PE"/>
           </a:p>
@@ -1648,6 +1635,7 @@
           <a:p>
             <a:fld id="{1FFC7EB0-AD60-41AF-8402-6A898538BD88}" type="slidenum">
               <a:rPr lang="es-PE" smtClean="0"/>
+              <a:t>‹Nº›</a:t>
             </a:fld>
             <a:endParaRPr lang="es-PE"/>
           </a:p>
@@ -1718,6 +1706,7 @@
           <a:p>
             <a:fld id="{9C9207EC-513D-44BB-92CB-2657665B415D}" type="datetimeFigureOut">
               <a:rPr lang="es-PE" smtClean="0"/>
+              <a:t>27/07/2024</a:t>
             </a:fld>
             <a:endParaRPr lang="es-PE"/>
           </a:p>
@@ -1759,6 +1748,7 @@
           <a:p>
             <a:fld id="{1FFC7EB0-AD60-41AF-8402-6A898538BD88}" type="slidenum">
               <a:rPr lang="es-PE" smtClean="0"/>
+              <a:t>‹Nº›</a:t>
             </a:fld>
             <a:endParaRPr lang="es-PE"/>
           </a:p>
@@ -1806,6 +1796,7 @@
           <a:p>
             <a:fld id="{9C9207EC-513D-44BB-92CB-2657665B415D}" type="datetimeFigureOut">
               <a:rPr lang="es-PE" smtClean="0"/>
+              <a:t>27/07/2024</a:t>
             </a:fld>
             <a:endParaRPr lang="es-PE"/>
           </a:p>
@@ -1847,6 +1838,7 @@
           <a:p>
             <a:fld id="{1FFC7EB0-AD60-41AF-8402-6A898538BD88}" type="slidenum">
               <a:rPr lang="es-PE" smtClean="0"/>
+              <a:t>‹Nº›</a:t>
             </a:fld>
             <a:endParaRPr lang="es-PE"/>
           </a:p>
@@ -1962,7 +1954,6 @@
               <a:rPr lang="es-ES"/>
               <a:t>Haga clic para modificar los estilos de texto del patrón</a:t>
             </a:r>
-            <a:endParaRPr lang="es-ES"/>
           </a:p>
           <a:p>
             <a:pPr lvl="1"/>
@@ -1970,7 +1961,6 @@
               <a:rPr lang="es-ES"/>
               <a:t>Segundo nivel</a:t>
             </a:r>
-            <a:endParaRPr lang="es-ES"/>
           </a:p>
           <a:p>
             <a:pPr lvl="2"/>
@@ -1978,7 +1968,6 @@
               <a:rPr lang="es-ES"/>
               <a:t>Tercer nivel</a:t>
             </a:r>
-            <a:endParaRPr lang="es-ES"/>
           </a:p>
           <a:p>
             <a:pPr lvl="3"/>
@@ -1986,7 +1975,6 @@
               <a:rPr lang="es-ES"/>
               <a:t>Cuarto nivel</a:t>
             </a:r>
-            <a:endParaRPr lang="es-ES"/>
           </a:p>
           <a:p>
             <a:pPr lvl="4"/>
@@ -2060,7 +2048,6 @@
               <a:rPr lang="es-ES"/>
               <a:t>Haga clic para modificar los estilos de texto del patrón</a:t>
             </a:r>
-            <a:endParaRPr lang="es-ES"/>
           </a:p>
         </p:txBody>
       </p:sp>
@@ -2081,6 +2068,7 @@
           <a:p>
             <a:fld id="{9C9207EC-513D-44BB-92CB-2657665B415D}" type="datetimeFigureOut">
               <a:rPr lang="es-PE" smtClean="0"/>
+              <a:t>27/07/2024</a:t>
             </a:fld>
             <a:endParaRPr lang="es-PE"/>
           </a:p>
@@ -2122,6 +2110,7 @@
           <a:p>
             <a:fld id="{1FFC7EB0-AD60-41AF-8402-6A898538BD88}" type="slidenum">
               <a:rPr lang="es-PE" smtClean="0"/>
+              <a:t>‹Nº›</a:t>
             </a:fld>
             <a:endParaRPr lang="es-PE"/>
           </a:p>
@@ -2311,7 +2300,6 @@
               <a:rPr lang="es-ES"/>
               <a:t>Haga clic para modificar los estilos de texto del patrón</a:t>
             </a:r>
-            <a:endParaRPr lang="es-ES"/>
           </a:p>
         </p:txBody>
       </p:sp>
@@ -2332,6 +2320,7 @@
           <a:p>
             <a:fld id="{9C9207EC-513D-44BB-92CB-2657665B415D}" type="datetimeFigureOut">
               <a:rPr lang="es-PE" smtClean="0"/>
+              <a:t>27/07/2024</a:t>
             </a:fld>
             <a:endParaRPr lang="es-PE"/>
           </a:p>
@@ -2373,6 +2362,7 @@
           <a:p>
             <a:fld id="{1FFC7EB0-AD60-41AF-8402-6A898538BD88}" type="slidenum">
               <a:rPr lang="es-PE" smtClean="0"/>
+              <a:t>‹Nº›</a:t>
             </a:fld>
             <a:endParaRPr lang="es-PE"/>
           </a:p>
@@ -2471,7 +2461,6 @@
               <a:rPr lang="es-ES"/>
               <a:t>Haga clic para modificar los estilos de texto del patrón</a:t>
             </a:r>
-            <a:endParaRPr lang="es-ES"/>
           </a:p>
           <a:p>
             <a:pPr lvl="1"/>
@@ -2479,7 +2468,6 @@
               <a:rPr lang="es-ES"/>
               <a:t>Segundo nivel</a:t>
             </a:r>
-            <a:endParaRPr lang="es-ES"/>
           </a:p>
           <a:p>
             <a:pPr lvl="2"/>
@@ -2487,7 +2475,6 @@
               <a:rPr lang="es-ES"/>
               <a:t>Tercer nivel</a:t>
             </a:r>
-            <a:endParaRPr lang="es-ES"/>
           </a:p>
           <a:p>
             <a:pPr lvl="3"/>
@@ -2495,7 +2482,6 @@
               <a:rPr lang="es-ES"/>
               <a:t>Cuarto nivel</a:t>
             </a:r>
-            <a:endParaRPr lang="es-ES"/>
           </a:p>
           <a:p>
             <a:pPr lvl="4"/>
@@ -2542,6 +2528,7 @@
           <a:p>
             <a:fld id="{9C9207EC-513D-44BB-92CB-2657665B415D}" type="datetimeFigureOut">
               <a:rPr lang="es-PE" smtClean="0"/>
+              <a:t>27/07/2024</a:t>
             </a:fld>
             <a:endParaRPr lang="es-PE"/>
           </a:p>
@@ -2619,6 +2606,7 @@
           <a:p>
             <a:fld id="{1FFC7EB0-AD60-41AF-8402-6A898538BD88}" type="slidenum">
               <a:rPr lang="es-PE" smtClean="0"/>
+              <a:t>‹Nº›</a:t>
             </a:fld>
             <a:endParaRPr lang="es-PE"/>
           </a:p>
@@ -2949,7 +2937,7 @@
           <p:nvPr/>
         </p:nvPicPr>
         <p:blipFill>
-          <a:blip r:embed="rId1">
+          <a:blip r:embed="rId2">
             <a:extLst>
               <a:ext uri="{28A0092B-C50C-407E-A947-70E740481C1C}">
                 <a14:useLocalDpi xmlns:a14="http://schemas.microsoft.com/office/drawing/2010/main" val="0"/>
@@ -3025,24 +3013,6 @@
               </a:rPr>
               <a:t>METRONIC</a:t>
             </a:r>
-            <a:endParaRPr lang="es-ES" sz="2800" b="1" cap="none" spc="0" dirty="0">
-              <a:ln w="10160">
-                <a:solidFill>
-                  <a:srgbClr val="FF0000"/>
-                </a:solidFill>
-                <a:prstDash val="solid"/>
-              </a:ln>
-              <a:solidFill>
-                <a:schemeClr val="bg1"/>
-              </a:solidFill>
-              <a:effectLst>
-                <a:outerShdw blurRad="38100" dist="22860" dir="5400000" algn="tl" rotWithShape="0">
-                  <a:srgbClr val="000000">
-                    <a:alpha val="30000"/>
-                  </a:srgbClr>
-                </a:outerShdw>
-              </a:effectLst>
-            </a:endParaRPr>
           </a:p>
         </p:txBody>
       </p:sp>
@@ -3120,7 +3090,7 @@
           <p:nvPr/>
         </p:nvPicPr>
         <p:blipFill>
-          <a:blip r:embed="rId2">
+          <a:blip r:embed="rId3">
             <a:extLst>
               <a:ext uri="{28A0092B-C50C-407E-A947-70E740481C1C}">
                 <a14:useLocalDpi xmlns:a14="http://schemas.microsoft.com/office/drawing/2010/main" val="0"/>
@@ -3161,7 +3131,7 @@
           <p:nvPr/>
         </p:nvPicPr>
         <p:blipFill>
-          <a:blip r:embed="rId2">
+          <a:blip r:embed="rId3">
             <a:extLst>
               <a:ext uri="{28A0092B-C50C-407E-A947-70E740481C1C}">
                 <a14:useLocalDpi xmlns:a14="http://schemas.microsoft.com/office/drawing/2010/main" val="0"/>
@@ -3202,7 +3172,7 @@
           <p:nvPr/>
         </p:nvPicPr>
         <p:blipFill>
-          <a:blip r:embed="rId3"/>
+          <a:blip r:embed="rId4"/>
           <a:stretch>
             <a:fillRect/>
           </a:stretch>
@@ -3226,7 +3196,7 @@
           <p:nvPr/>
         </p:nvPicPr>
         <p:blipFill>
-          <a:blip r:embed="rId4" cstate="print">
+          <a:blip r:embed="rId5" cstate="print">
             <a:extLst>
               <a:ext uri="{28A0092B-C50C-407E-A947-70E740481C1C}">
                 <a14:useLocalDpi xmlns:a14="http://schemas.microsoft.com/office/drawing/2010/main" val="0"/>
@@ -3267,7 +3237,7 @@
           <p:nvPr/>
         </p:nvPicPr>
         <p:blipFill>
-          <a:blip r:embed="rId5">
+          <a:blip r:embed="rId6">
             <a:extLst>
               <a:ext uri="{28A0092B-C50C-407E-A947-70E740481C1C}">
                 <a14:useLocalDpi xmlns:a14="http://schemas.microsoft.com/office/drawing/2010/main" val="0"/>
@@ -3308,7 +3278,7 @@
           <p:nvPr/>
         </p:nvPicPr>
         <p:blipFill rotWithShape="1">
-          <a:blip r:embed="rId6">
+          <a:blip r:embed="rId7" cstate="print">
             <a:extLst>
               <a:ext uri="{28A0092B-C50C-407E-A947-70E740481C1C}">
                 <a14:useLocalDpi xmlns:a14="http://schemas.microsoft.com/office/drawing/2010/main" val="0"/>
@@ -3415,34 +3385,6 @@
               </a:rPr>
               <a:t>SISTEMA DE SUSCRIPCIÓN TIPO NEXFLIT</a:t>
             </a:r>
-            <a:endParaRPr lang="es-ES" sz="4400" b="1" dirty="0">
-              <a:ln w="12700">
-                <a:solidFill>
-                  <a:schemeClr val="accent3">
-                    <a:lumMod val="50000"/>
-                  </a:schemeClr>
-                </a:solidFill>
-                <a:prstDash val="solid"/>
-              </a:ln>
-              <a:pattFill prst="narHorz">
-                <a:fgClr>
-                  <a:schemeClr val="accent3"/>
-                </a:fgClr>
-                <a:bgClr>
-                  <a:schemeClr val="accent3">
-                    <a:lumMod val="40000"/>
-                    <a:lumOff val="60000"/>
-                  </a:schemeClr>
-                </a:bgClr>
-              </a:pattFill>
-              <a:effectLst>
-                <a:innerShdw blurRad="177800">
-                  <a:schemeClr val="accent3">
-                    <a:lumMod val="50000"/>
-                  </a:schemeClr>
-                </a:innerShdw>
-              </a:effectLst>
-            </a:endParaRPr>
           </a:p>
         </p:txBody>
       </p:sp>
@@ -3586,7 +3528,7 @@
           <p:nvPr/>
         </p:nvPicPr>
         <p:blipFill>
-          <a:blip r:embed="rId1">
+          <a:blip r:embed="rId2">
             <a:extLst>
               <a:ext uri="{28A0092B-C50C-407E-A947-70E740481C1C}">
                 <a14:useLocalDpi xmlns:a14="http://schemas.microsoft.com/office/drawing/2010/main" val="0"/>
@@ -3627,7 +3569,7 @@
           <p:nvPr/>
         </p:nvPicPr>
         <p:blipFill>
-          <a:blip r:embed="rId1">
+          <a:blip r:embed="rId2">
             <a:extLst>
               <a:ext uri="{28A0092B-C50C-407E-A947-70E740481C1C}">
                 <a14:useLocalDpi xmlns:a14="http://schemas.microsoft.com/office/drawing/2010/main" val="0"/>
@@ -3668,7 +3610,7 @@
           <p:nvPr/>
         </p:nvPicPr>
         <p:blipFill>
-          <a:blip r:embed="rId2"/>
+          <a:blip r:embed="rId3"/>
           <a:stretch>
             <a:fillRect/>
           </a:stretch>
@@ -3692,7 +3634,7 @@
           <p:nvPr/>
         </p:nvPicPr>
         <p:blipFill rotWithShape="1">
-          <a:blip r:embed="rId3" cstate="hqprint">
+          <a:blip r:embed="rId4" cstate="print">
             <a:extLst>
               <a:ext uri="{28A0092B-C50C-407E-A947-70E740481C1C}">
                 <a14:useLocalDpi xmlns:a14="http://schemas.microsoft.com/office/drawing/2010/main" val="0"/>
@@ -3847,7 +3789,13 @@
                 <a:tableStyleId>{5C22544A-7EE6-4342-B048-85BDC9FD1C3A}</a:tableStyleId>
               </a:tblPr>
               <a:tblGrid>
-                <a:gridCol w="2542222"/>
+                <a:gridCol w="2542222">
+                  <a:extLst>
+                    <a:ext uri="{9D8B030D-6E8A-4147-A177-3AD203B41FA5}">
+                      <a16:colId xmlns:a16="http://schemas.microsoft.com/office/drawing/2014/main" val="20000"/>
+                    </a:ext>
+                  </a:extLst>
+                </a:gridCol>
               </a:tblGrid>
               <a:tr h="303846">
                 <a:tc>
@@ -3864,6 +3812,11 @@
                   </a:txBody>
                   <a:tcPr/>
                 </a:tc>
+                <a:extLst>
+                  <a:ext uri="{0D108BD9-81ED-4DB2-BD59-A6C34878D82A}">
+                    <a16:rowId xmlns:a16="http://schemas.microsoft.com/office/drawing/2014/main" val="10000"/>
+                  </a:ext>
+                </a:extLst>
               </a:tr>
               <a:tr h="303846">
                 <a:tc>
@@ -3880,6 +3833,11 @@
                   </a:txBody>
                   <a:tcPr/>
                 </a:tc>
+                <a:extLst>
+                  <a:ext uri="{0D108BD9-81ED-4DB2-BD59-A6C34878D82A}">
+                    <a16:rowId xmlns:a16="http://schemas.microsoft.com/office/drawing/2014/main" val="10001"/>
+                  </a:ext>
+                </a:extLst>
               </a:tr>
               <a:tr h="303846">
                 <a:tc>
@@ -3896,6 +3854,11 @@
                   </a:txBody>
                   <a:tcPr/>
                 </a:tc>
+                <a:extLst>
+                  <a:ext uri="{0D108BD9-81ED-4DB2-BD59-A6C34878D82A}">
+                    <a16:rowId xmlns:a16="http://schemas.microsoft.com/office/drawing/2014/main" val="10002"/>
+                  </a:ext>
+                </a:extLst>
               </a:tr>
               <a:tr h="303846">
                 <a:tc>
@@ -3912,6 +3875,11 @@
                   </a:txBody>
                   <a:tcPr/>
                 </a:tc>
+                <a:extLst>
+                  <a:ext uri="{0D108BD9-81ED-4DB2-BD59-A6C34878D82A}">
+                    <a16:rowId xmlns:a16="http://schemas.microsoft.com/office/drawing/2014/main" val="10003"/>
+                  </a:ext>
+                </a:extLst>
               </a:tr>
               <a:tr h="303846">
                 <a:tc>
@@ -3928,6 +3896,11 @@
                   </a:txBody>
                   <a:tcPr/>
                 </a:tc>
+                <a:extLst>
+                  <a:ext uri="{0D108BD9-81ED-4DB2-BD59-A6C34878D82A}">
+                    <a16:rowId xmlns:a16="http://schemas.microsoft.com/office/drawing/2014/main" val="10004"/>
+                  </a:ext>
+                </a:extLst>
               </a:tr>
               <a:tr h="303846">
                 <a:tc>
@@ -3944,6 +3917,11 @@
                   </a:txBody>
                   <a:tcPr/>
                 </a:tc>
+                <a:extLst>
+                  <a:ext uri="{0D108BD9-81ED-4DB2-BD59-A6C34878D82A}">
+                    <a16:rowId xmlns:a16="http://schemas.microsoft.com/office/drawing/2014/main" val="10005"/>
+                  </a:ext>
+                </a:extLst>
               </a:tr>
               <a:tr h="303846">
                 <a:tc>
@@ -3960,6 +3938,11 @@
                   </a:txBody>
                   <a:tcPr/>
                 </a:tc>
+                <a:extLst>
+                  <a:ext uri="{0D108BD9-81ED-4DB2-BD59-A6C34878D82A}">
+                    <a16:rowId xmlns:a16="http://schemas.microsoft.com/office/drawing/2014/main" val="10006"/>
+                  </a:ext>
+                </a:extLst>
               </a:tr>
               <a:tr h="303846">
                 <a:tc>
@@ -3972,6 +3955,11 @@
                   </a:txBody>
                   <a:tcPr/>
                 </a:tc>
+                <a:extLst>
+                  <a:ext uri="{0D108BD9-81ED-4DB2-BD59-A6C34878D82A}">
+                    <a16:rowId xmlns:a16="http://schemas.microsoft.com/office/drawing/2014/main" val="10007"/>
+                  </a:ext>
+                </a:extLst>
               </a:tr>
             </a:tbl>
           </a:graphicData>
@@ -4087,11 +4075,17 @@
           <p:cNvGraphicFramePr>
             <a:graphicFrameLocks noGrp="1"/>
           </p:cNvGraphicFramePr>
-          <p:nvPr/>
+          <p:nvPr>
+            <p:extLst>
+              <p:ext uri="{D42A27DB-BD31-4B8C-83A1-F6EECF244321}">
+                <p14:modId xmlns:p14="http://schemas.microsoft.com/office/powerpoint/2010/main" val="3528735239"/>
+              </p:ext>
+            </p:extLst>
+          </p:nvPr>
         </p:nvGraphicFramePr>
         <p:xfrm>
-          <a:off x="432574" y="2692850"/>
-          <a:ext cx="2579504" cy="1854200"/>
+          <a:off x="591671" y="2692850"/>
+          <a:ext cx="2420407" cy="1854200"/>
         </p:xfrm>
         <a:graphic>
           <a:graphicData uri="http://schemas.openxmlformats.org/drawingml/2006/table">
@@ -4100,7 +4094,13 @@
                 <a:tableStyleId>{5C22544A-7EE6-4342-B048-85BDC9FD1C3A}</a:tableStyleId>
               </a:tblPr>
               <a:tblGrid>
-                <a:gridCol w="2579504"/>
+                <a:gridCol w="2420407">
+                  <a:extLst>
+                    <a:ext uri="{9D8B030D-6E8A-4147-A177-3AD203B41FA5}">
+                      <a16:colId xmlns:a16="http://schemas.microsoft.com/office/drawing/2014/main" val="20000"/>
+                    </a:ext>
+                  </a:extLst>
+                </a:gridCol>
               </a:tblGrid>
               <a:tr h="370840">
                 <a:tc>
@@ -4117,6 +4117,11 @@
                   </a:txBody>
                   <a:tcPr/>
                 </a:tc>
+                <a:extLst>
+                  <a:ext uri="{0D108BD9-81ED-4DB2-BD59-A6C34878D82A}">
+                    <a16:rowId xmlns:a16="http://schemas.microsoft.com/office/drawing/2014/main" val="10000"/>
+                  </a:ext>
+                </a:extLst>
               </a:tr>
               <a:tr h="370840">
                 <a:tc>
@@ -4133,6 +4138,11 @@
                   </a:txBody>
                   <a:tcPr/>
                 </a:tc>
+                <a:extLst>
+                  <a:ext uri="{0D108BD9-81ED-4DB2-BD59-A6C34878D82A}">
+                    <a16:rowId xmlns:a16="http://schemas.microsoft.com/office/drawing/2014/main" val="10001"/>
+                  </a:ext>
+                </a:extLst>
               </a:tr>
               <a:tr h="370840">
                 <a:tc>
@@ -4149,6 +4159,11 @@
                   </a:txBody>
                   <a:tcPr/>
                 </a:tc>
+                <a:extLst>
+                  <a:ext uri="{0D108BD9-81ED-4DB2-BD59-A6C34878D82A}">
+                    <a16:rowId xmlns:a16="http://schemas.microsoft.com/office/drawing/2014/main" val="10002"/>
+                  </a:ext>
+                </a:extLst>
               </a:tr>
               <a:tr h="370840">
                 <a:tc>
@@ -4165,6 +4180,11 @@
                   </a:txBody>
                   <a:tcPr/>
                 </a:tc>
+                <a:extLst>
+                  <a:ext uri="{0D108BD9-81ED-4DB2-BD59-A6C34878D82A}">
+                    <a16:rowId xmlns:a16="http://schemas.microsoft.com/office/drawing/2014/main" val="10003"/>
+                  </a:ext>
+                </a:extLst>
               </a:tr>
               <a:tr h="370840">
                 <a:tc>
@@ -4181,6 +4201,11 @@
                   </a:txBody>
                   <a:tcPr/>
                 </a:tc>
+                <a:extLst>
+                  <a:ext uri="{0D108BD9-81ED-4DB2-BD59-A6C34878D82A}">
+                    <a16:rowId xmlns:a16="http://schemas.microsoft.com/office/drawing/2014/main" val="10004"/>
+                  </a:ext>
+                </a:extLst>
               </a:tr>
             </a:tbl>
           </a:graphicData>
@@ -4466,7 +4491,7 @@
           <p:nvPr/>
         </p:nvPicPr>
         <p:blipFill>
-          <a:blip r:embed="rId1">
+          <a:blip r:embed="rId2">
             <a:extLst>
               <a:ext uri="{28A0092B-C50C-407E-A947-70E740481C1C}">
                 <a14:useLocalDpi xmlns:a14="http://schemas.microsoft.com/office/drawing/2010/main" val="0"/>
@@ -4507,7 +4532,7 @@
           <p:nvPr/>
         </p:nvPicPr>
         <p:blipFill>
-          <a:blip r:embed="rId1">
+          <a:blip r:embed="rId2">
             <a:extLst>
               <a:ext uri="{28A0092B-C50C-407E-A947-70E740481C1C}">
                 <a14:useLocalDpi xmlns:a14="http://schemas.microsoft.com/office/drawing/2010/main" val="0"/>
@@ -4548,7 +4573,7 @@
           <p:nvPr/>
         </p:nvPicPr>
         <p:blipFill>
-          <a:blip r:embed="rId2"/>
+          <a:blip r:embed="rId3"/>
           <a:stretch>
             <a:fillRect/>
           </a:stretch>
@@ -4790,7 +4815,13 @@
                 <a:tableStyleId>{5C22544A-7EE6-4342-B048-85BDC9FD1C3A}</a:tableStyleId>
               </a:tblPr>
               <a:tblGrid>
-                <a:gridCol w="1413165"/>
+                <a:gridCol w="1413165">
+                  <a:extLst>
+                    <a:ext uri="{9D8B030D-6E8A-4147-A177-3AD203B41FA5}">
+                      <a16:colId xmlns:a16="http://schemas.microsoft.com/office/drawing/2014/main" val="20000"/>
+                    </a:ext>
+                  </a:extLst>
+                </a:gridCol>
               </a:tblGrid>
               <a:tr h="370840">
                 <a:tc>
@@ -4807,6 +4838,11 @@
                   </a:txBody>
                   <a:tcPr/>
                 </a:tc>
+                <a:extLst>
+                  <a:ext uri="{0D108BD9-81ED-4DB2-BD59-A6C34878D82A}">
+                    <a16:rowId xmlns:a16="http://schemas.microsoft.com/office/drawing/2014/main" val="10000"/>
+                  </a:ext>
+                </a:extLst>
               </a:tr>
               <a:tr h="370840">
                 <a:tc>
@@ -4823,6 +4859,11 @@
                   </a:txBody>
                   <a:tcPr/>
                 </a:tc>
+                <a:extLst>
+                  <a:ext uri="{0D108BD9-81ED-4DB2-BD59-A6C34878D82A}">
+                    <a16:rowId xmlns:a16="http://schemas.microsoft.com/office/drawing/2014/main" val="10001"/>
+                  </a:ext>
+                </a:extLst>
               </a:tr>
               <a:tr h="370840">
                 <a:tc>
@@ -4839,6 +4880,11 @@
                   </a:txBody>
                   <a:tcPr/>
                 </a:tc>
+                <a:extLst>
+                  <a:ext uri="{0D108BD9-81ED-4DB2-BD59-A6C34878D82A}">
+                    <a16:rowId xmlns:a16="http://schemas.microsoft.com/office/drawing/2014/main" val="10002"/>
+                  </a:ext>
+                </a:extLst>
               </a:tr>
             </a:tbl>
           </a:graphicData>
@@ -4863,7 +4909,13 @@
                 <a:tableStyleId>{5C22544A-7EE6-4342-B048-85BDC9FD1C3A}</a:tableStyleId>
               </a:tblPr>
               <a:tblGrid>
-                <a:gridCol w="1413165"/>
+                <a:gridCol w="1413165">
+                  <a:extLst>
+                    <a:ext uri="{9D8B030D-6E8A-4147-A177-3AD203B41FA5}">
+                      <a16:colId xmlns:a16="http://schemas.microsoft.com/office/drawing/2014/main" val="20000"/>
+                    </a:ext>
+                  </a:extLst>
+                </a:gridCol>
               </a:tblGrid>
               <a:tr h="370840">
                 <a:tc>
@@ -4880,6 +4932,11 @@
                   </a:txBody>
                   <a:tcPr/>
                 </a:tc>
+                <a:extLst>
+                  <a:ext uri="{0D108BD9-81ED-4DB2-BD59-A6C34878D82A}">
+                    <a16:rowId xmlns:a16="http://schemas.microsoft.com/office/drawing/2014/main" val="10000"/>
+                  </a:ext>
+                </a:extLst>
               </a:tr>
               <a:tr h="370840">
                 <a:tc>
@@ -4896,6 +4953,11 @@
                   </a:txBody>
                   <a:tcPr/>
                 </a:tc>
+                <a:extLst>
+                  <a:ext uri="{0D108BD9-81ED-4DB2-BD59-A6C34878D82A}">
+                    <a16:rowId xmlns:a16="http://schemas.microsoft.com/office/drawing/2014/main" val="10001"/>
+                  </a:ext>
+                </a:extLst>
               </a:tr>
               <a:tr h="370840">
                 <a:tc>
@@ -4912,6 +4974,11 @@
                   </a:txBody>
                   <a:tcPr/>
                 </a:tc>
+                <a:extLst>
+                  <a:ext uri="{0D108BD9-81ED-4DB2-BD59-A6C34878D82A}">
+                    <a16:rowId xmlns:a16="http://schemas.microsoft.com/office/drawing/2014/main" val="10002"/>
+                  </a:ext>
+                </a:extLst>
               </a:tr>
             </a:tbl>
           </a:graphicData>
@@ -4936,7 +5003,13 @@
                 <a:tableStyleId>{5C22544A-7EE6-4342-B048-85BDC9FD1C3A}</a:tableStyleId>
               </a:tblPr>
               <a:tblGrid>
-                <a:gridCol w="1864311"/>
+                <a:gridCol w="1864311">
+                  <a:extLst>
+                    <a:ext uri="{9D8B030D-6E8A-4147-A177-3AD203B41FA5}">
+                      <a16:colId xmlns:a16="http://schemas.microsoft.com/office/drawing/2014/main" val="20000"/>
+                    </a:ext>
+                  </a:extLst>
+                </a:gridCol>
               </a:tblGrid>
               <a:tr h="370840">
                 <a:tc>
@@ -4953,6 +5026,11 @@
                   </a:txBody>
                   <a:tcPr/>
                 </a:tc>
+                <a:extLst>
+                  <a:ext uri="{0D108BD9-81ED-4DB2-BD59-A6C34878D82A}">
+                    <a16:rowId xmlns:a16="http://schemas.microsoft.com/office/drawing/2014/main" val="10000"/>
+                  </a:ext>
+                </a:extLst>
               </a:tr>
               <a:tr h="370840">
                 <a:tc>
@@ -4969,6 +5047,11 @@
                   </a:txBody>
                   <a:tcPr/>
                 </a:tc>
+                <a:extLst>
+                  <a:ext uri="{0D108BD9-81ED-4DB2-BD59-A6C34878D82A}">
+                    <a16:rowId xmlns:a16="http://schemas.microsoft.com/office/drawing/2014/main" val="10001"/>
+                  </a:ext>
+                </a:extLst>
               </a:tr>
               <a:tr h="370840">
                 <a:tc>
@@ -4985,6 +5068,11 @@
                   </a:txBody>
                   <a:tcPr/>
                 </a:tc>
+                <a:extLst>
+                  <a:ext uri="{0D108BD9-81ED-4DB2-BD59-A6C34878D82A}">
+                    <a16:rowId xmlns:a16="http://schemas.microsoft.com/office/drawing/2014/main" val="10002"/>
+                  </a:ext>
+                </a:extLst>
               </a:tr>
             </a:tbl>
           </a:graphicData>
@@ -5113,7 +5201,13 @@
                 <a:tableStyleId>{5C22544A-7EE6-4342-B048-85BDC9FD1C3A}</a:tableStyleId>
               </a:tblPr>
               <a:tblGrid>
-                <a:gridCol w="1413165"/>
+                <a:gridCol w="1413165">
+                  <a:extLst>
+                    <a:ext uri="{9D8B030D-6E8A-4147-A177-3AD203B41FA5}">
+                      <a16:colId xmlns:a16="http://schemas.microsoft.com/office/drawing/2014/main" val="20000"/>
+                    </a:ext>
+                  </a:extLst>
+                </a:gridCol>
               </a:tblGrid>
               <a:tr h="370840">
                 <a:tc>
@@ -5130,6 +5224,11 @@
                   </a:txBody>
                   <a:tcPr/>
                 </a:tc>
+                <a:extLst>
+                  <a:ext uri="{0D108BD9-81ED-4DB2-BD59-A6C34878D82A}">
+                    <a16:rowId xmlns:a16="http://schemas.microsoft.com/office/drawing/2014/main" val="10000"/>
+                  </a:ext>
+                </a:extLst>
               </a:tr>
               <a:tr h="370840">
                 <a:tc>
@@ -5146,6 +5245,11 @@
                   </a:txBody>
                   <a:tcPr/>
                 </a:tc>
+                <a:extLst>
+                  <a:ext uri="{0D108BD9-81ED-4DB2-BD59-A6C34878D82A}">
+                    <a16:rowId xmlns:a16="http://schemas.microsoft.com/office/drawing/2014/main" val="10001"/>
+                  </a:ext>
+                </a:extLst>
               </a:tr>
               <a:tr h="370840">
                 <a:tc>
@@ -5158,6 +5262,11 @@
                   </a:txBody>
                   <a:tcPr/>
                 </a:tc>
+                <a:extLst>
+                  <a:ext uri="{0D108BD9-81ED-4DB2-BD59-A6C34878D82A}">
+                    <a16:rowId xmlns:a16="http://schemas.microsoft.com/office/drawing/2014/main" val="10002"/>
+                  </a:ext>
+                </a:extLst>
               </a:tr>
             </a:tbl>
           </a:graphicData>
@@ -5172,7 +5281,7 @@
           <p:nvPr/>
         </p:nvPicPr>
         <p:blipFill>
-          <a:blip r:embed="rId3"/>
+          <a:blip r:embed="rId4"/>
           <a:stretch>
             <a:fillRect/>
           </a:stretch>
@@ -5196,7 +5305,7 @@
           <p:nvPr/>
         </p:nvPicPr>
         <p:blipFill>
-          <a:blip r:embed="rId4"/>
+          <a:blip r:embed="rId5"/>
           <a:stretch>
             <a:fillRect/>
           </a:stretch>
@@ -5220,7 +5329,7 @@
           <p:nvPr/>
         </p:nvPicPr>
         <p:blipFill rotWithShape="1">
-          <a:blip r:embed="rId5" cstate="hqprint">
+          <a:blip r:embed="rId6" cstate="print">
             <a:extLst>
               <a:ext uri="{28A0092B-C50C-407E-A947-70E740481C1C}">
                 <a14:useLocalDpi xmlns:a14="http://schemas.microsoft.com/office/drawing/2010/main" val="0"/>
@@ -5649,7 +5758,13 @@
                 <a:tableStyleId>{5C22544A-7EE6-4342-B048-85BDC9FD1C3A}</a:tableStyleId>
               </a:tblPr>
               <a:tblGrid>
-                <a:gridCol w="1519383"/>
+                <a:gridCol w="1519383">
+                  <a:extLst>
+                    <a:ext uri="{9D8B030D-6E8A-4147-A177-3AD203B41FA5}">
+                      <a16:colId xmlns:a16="http://schemas.microsoft.com/office/drawing/2014/main" val="20000"/>
+                    </a:ext>
+                  </a:extLst>
+                </a:gridCol>
               </a:tblGrid>
               <a:tr h="240989">
                 <a:tc>
@@ -5666,6 +5781,11 @@
                   </a:txBody>
                   <a:tcPr/>
                 </a:tc>
+                <a:extLst>
+                  <a:ext uri="{0D108BD9-81ED-4DB2-BD59-A6C34878D82A}">
+                    <a16:rowId xmlns:a16="http://schemas.microsoft.com/office/drawing/2014/main" val="10000"/>
+                  </a:ext>
+                </a:extLst>
               </a:tr>
               <a:tr h="240989">
                 <a:tc>
@@ -5682,6 +5802,11 @@
                   </a:txBody>
                   <a:tcPr/>
                 </a:tc>
+                <a:extLst>
+                  <a:ext uri="{0D108BD9-81ED-4DB2-BD59-A6C34878D82A}">
+                    <a16:rowId xmlns:a16="http://schemas.microsoft.com/office/drawing/2014/main" val="10001"/>
+                  </a:ext>
+                </a:extLst>
               </a:tr>
               <a:tr h="240989">
                 <a:tc>
@@ -5698,6 +5823,11 @@
                   </a:txBody>
                   <a:tcPr/>
                 </a:tc>
+                <a:extLst>
+                  <a:ext uri="{0D108BD9-81ED-4DB2-BD59-A6C34878D82A}">
+                    <a16:rowId xmlns:a16="http://schemas.microsoft.com/office/drawing/2014/main" val="10002"/>
+                  </a:ext>
+                </a:extLst>
               </a:tr>
               <a:tr h="240989">
                 <a:tc>
@@ -5709,11 +5839,15 @@
                         <a:rPr lang="en-US" dirty="0"/>
                         <a:t>Tags</a:t>
                       </a:r>
-                      <a:endParaRPr lang="en-US" dirty="0"/>
                     </a:p>
                   </a:txBody>
                   <a:tcPr/>
                 </a:tc>
+                <a:extLst>
+                  <a:ext uri="{0D108BD9-81ED-4DB2-BD59-A6C34878D82A}">
+                    <a16:rowId xmlns:a16="http://schemas.microsoft.com/office/drawing/2014/main" val="10003"/>
+                  </a:ext>
+                </a:extLst>
               </a:tr>
               <a:tr h="240989">
                 <a:tc>
@@ -5725,11 +5859,15 @@
                         <a:rPr lang="en-US" dirty="0"/>
                         <a:t>Views</a:t>
                       </a:r>
-                      <a:endParaRPr lang="en-US" dirty="0"/>
                     </a:p>
                   </a:txBody>
                   <a:tcPr/>
                 </a:tc>
+                <a:extLst>
+                  <a:ext uri="{0D108BD9-81ED-4DB2-BD59-A6C34878D82A}">
+                    <a16:rowId xmlns:a16="http://schemas.microsoft.com/office/drawing/2014/main" val="10004"/>
+                  </a:ext>
+                </a:extLst>
               </a:tr>
               <a:tr h="240989">
                 <a:tc>
@@ -5746,6 +5884,11 @@
                   </a:txBody>
                   <a:tcPr/>
                 </a:tc>
+                <a:extLst>
+                  <a:ext uri="{0D108BD9-81ED-4DB2-BD59-A6C34878D82A}">
+                    <a16:rowId xmlns:a16="http://schemas.microsoft.com/office/drawing/2014/main" val="10005"/>
+                  </a:ext>
+                </a:extLst>
               </a:tr>
             </a:tbl>
           </a:graphicData>
@@ -5903,7 +6046,7 @@
           <p:nvPr/>
         </p:nvPicPr>
         <p:blipFill>
-          <a:blip r:embed="rId1">
+          <a:blip r:embed="rId2">
             <a:extLst>
               <a:ext uri="{28A0092B-C50C-407E-A947-70E740481C1C}">
                 <a14:useLocalDpi xmlns:a14="http://schemas.microsoft.com/office/drawing/2010/main" val="0"/>
@@ -5944,7 +6087,7 @@
           <p:nvPr/>
         </p:nvPicPr>
         <p:blipFill>
-          <a:blip r:embed="rId1">
+          <a:blip r:embed="rId2">
             <a:extLst>
               <a:ext uri="{28A0092B-C50C-407E-A947-70E740481C1C}">
                 <a14:useLocalDpi xmlns:a14="http://schemas.microsoft.com/office/drawing/2010/main" val="0"/>
@@ -5985,7 +6128,7 @@
           <p:nvPr/>
         </p:nvPicPr>
         <p:blipFill>
-          <a:blip r:embed="rId2"/>
+          <a:blip r:embed="rId3"/>
           <a:stretch>
             <a:fillRect/>
           </a:stretch>
@@ -6162,7 +6305,13 @@
                 <a:tableStyleId>{5C22544A-7EE6-4342-B048-85BDC9FD1C3A}</a:tableStyleId>
               </a:tblPr>
               <a:tblGrid>
-                <a:gridCol w="1579743"/>
+                <a:gridCol w="1579743">
+                  <a:extLst>
+                    <a:ext uri="{9D8B030D-6E8A-4147-A177-3AD203B41FA5}">
+                      <a16:colId xmlns:a16="http://schemas.microsoft.com/office/drawing/2014/main" val="20000"/>
+                    </a:ext>
+                  </a:extLst>
+                </a:gridCol>
               </a:tblGrid>
               <a:tr h="370840">
                 <a:tc>
@@ -6179,6 +6328,11 @@
                   </a:txBody>
                   <a:tcPr/>
                 </a:tc>
+                <a:extLst>
+                  <a:ext uri="{0D108BD9-81ED-4DB2-BD59-A6C34878D82A}">
+                    <a16:rowId xmlns:a16="http://schemas.microsoft.com/office/drawing/2014/main" val="10000"/>
+                  </a:ext>
+                </a:extLst>
               </a:tr>
               <a:tr h="370840">
                 <a:tc>
@@ -6195,6 +6349,11 @@
                   </a:txBody>
                   <a:tcPr/>
                 </a:tc>
+                <a:extLst>
+                  <a:ext uri="{0D108BD9-81ED-4DB2-BD59-A6C34878D82A}">
+                    <a16:rowId xmlns:a16="http://schemas.microsoft.com/office/drawing/2014/main" val="10001"/>
+                  </a:ext>
+                </a:extLst>
               </a:tr>
               <a:tr h="370840">
                 <a:tc>
@@ -6207,6 +6366,11 @@
                   </a:txBody>
                   <a:tcPr/>
                 </a:tc>
+                <a:extLst>
+                  <a:ext uri="{0D108BD9-81ED-4DB2-BD59-A6C34878D82A}">
+                    <a16:rowId xmlns:a16="http://schemas.microsoft.com/office/drawing/2014/main" val="10002"/>
+                  </a:ext>
+                </a:extLst>
               </a:tr>
             </a:tbl>
           </a:graphicData>
@@ -6231,7 +6395,13 @@
                 <a:tableStyleId>{5C22544A-7EE6-4342-B048-85BDC9FD1C3A}</a:tableStyleId>
               </a:tblPr>
               <a:tblGrid>
-                <a:gridCol w="1282931"/>
+                <a:gridCol w="1282931">
+                  <a:extLst>
+                    <a:ext uri="{9D8B030D-6E8A-4147-A177-3AD203B41FA5}">
+                      <a16:colId xmlns:a16="http://schemas.microsoft.com/office/drawing/2014/main" val="20000"/>
+                    </a:ext>
+                  </a:extLst>
+                </a:gridCol>
               </a:tblGrid>
               <a:tr h="370840">
                 <a:tc>
@@ -6248,6 +6418,11 @@
                   </a:txBody>
                   <a:tcPr/>
                 </a:tc>
+                <a:extLst>
+                  <a:ext uri="{0D108BD9-81ED-4DB2-BD59-A6C34878D82A}">
+                    <a16:rowId xmlns:a16="http://schemas.microsoft.com/office/drawing/2014/main" val="10000"/>
+                  </a:ext>
+                </a:extLst>
               </a:tr>
               <a:tr h="370840">
                 <a:tc>
@@ -6264,6 +6439,11 @@
                   </a:txBody>
                   <a:tcPr/>
                 </a:tc>
+                <a:extLst>
+                  <a:ext uri="{0D108BD9-81ED-4DB2-BD59-A6C34878D82A}">
+                    <a16:rowId xmlns:a16="http://schemas.microsoft.com/office/drawing/2014/main" val="10001"/>
+                  </a:ext>
+                </a:extLst>
               </a:tr>
               <a:tr h="370840">
                 <a:tc>
@@ -6280,6 +6460,11 @@
                   </a:txBody>
                   <a:tcPr/>
                 </a:tc>
+                <a:extLst>
+                  <a:ext uri="{0D108BD9-81ED-4DB2-BD59-A6C34878D82A}">
+                    <a16:rowId xmlns:a16="http://schemas.microsoft.com/office/drawing/2014/main" val="10002"/>
+                  </a:ext>
+                </a:extLst>
               </a:tr>
             </a:tbl>
           </a:graphicData>
@@ -6622,7 +6807,7 @@
           <p:nvPr/>
         </p:nvPicPr>
         <p:blipFill rotWithShape="1">
-          <a:blip r:embed="rId3" cstate="hqprint">
+          <a:blip r:embed="rId4" cstate="print">
             <a:extLst>
               <a:ext uri="{28A0092B-C50C-407E-A947-70E740481C1C}">
                 <a14:useLocalDpi xmlns:a14="http://schemas.microsoft.com/office/drawing/2010/main" val="0"/>
@@ -6794,7 +6979,7 @@
           <p:nvPr/>
         </p:nvPicPr>
         <p:blipFill>
-          <a:blip r:embed="rId1">
+          <a:blip r:embed="rId2">
             <a:extLst>
               <a:ext uri="{28A0092B-C50C-407E-A947-70E740481C1C}">
                 <a14:useLocalDpi xmlns:a14="http://schemas.microsoft.com/office/drawing/2010/main" val="0"/>
@@ -6835,7 +7020,7 @@
           <p:nvPr/>
         </p:nvPicPr>
         <p:blipFill>
-          <a:blip r:embed="rId1">
+          <a:blip r:embed="rId2">
             <a:extLst>
               <a:ext uri="{28A0092B-C50C-407E-A947-70E740481C1C}">
                 <a14:useLocalDpi xmlns:a14="http://schemas.microsoft.com/office/drawing/2010/main" val="0"/>
@@ -6876,7 +7061,7 @@
           <p:nvPr/>
         </p:nvPicPr>
         <p:blipFill>
-          <a:blip r:embed="rId2"/>
+          <a:blip r:embed="rId3"/>
           <a:stretch>
             <a:fillRect/>
           </a:stretch>
@@ -6900,7 +7085,7 @@
           <p:nvPr/>
         </p:nvPicPr>
         <p:blipFill rotWithShape="1">
-          <a:blip r:embed="rId3" cstate="hqprint">
+          <a:blip r:embed="rId4" cstate="print">
             <a:extLst>
               <a:ext uri="{28A0092B-C50C-407E-A947-70E740481C1C}">
                 <a14:useLocalDpi xmlns:a14="http://schemas.microsoft.com/office/drawing/2010/main" val="0"/>
@@ -6958,7 +7143,6 @@
               <a:rPr lang="es-PE" dirty="0"/>
               <a:t>https://github.com/vimeo/laravel</a:t>
             </a:r>
-            <a:endParaRPr lang="es-PE" dirty="0"/>
           </a:p>
         </p:txBody>
       </p:sp>
@@ -6988,7 +7172,6 @@
               <a:rPr lang="es-PE" dirty="0"/>
               <a:t>https://github.com/Owen-oj/laravel-getid3</a:t>
             </a:r>
-            <a:endParaRPr lang="es-PE" dirty="0"/>
           </a:p>
         </p:txBody>
       </p:sp>
@@ -7132,7 +7315,7 @@
           <p:nvPr/>
         </p:nvPicPr>
         <p:blipFill>
-          <a:blip r:embed="rId1">
+          <a:blip r:embed="rId2">
             <a:extLst>
               <a:ext uri="{28A0092B-C50C-407E-A947-70E740481C1C}">
                 <a14:useLocalDpi xmlns:a14="http://schemas.microsoft.com/office/drawing/2010/main" val="0"/>
@@ -7173,7 +7356,7 @@
           <p:nvPr/>
         </p:nvPicPr>
         <p:blipFill>
-          <a:blip r:embed="rId1">
+          <a:blip r:embed="rId2">
             <a:extLst>
               <a:ext uri="{28A0092B-C50C-407E-A947-70E740481C1C}">
                 <a14:useLocalDpi xmlns:a14="http://schemas.microsoft.com/office/drawing/2010/main" val="0"/>
@@ -7214,7 +7397,7 @@
           <p:nvPr/>
         </p:nvPicPr>
         <p:blipFill>
-          <a:blip r:embed="rId2"/>
+          <a:blip r:embed="rId3"/>
           <a:stretch>
             <a:fillRect/>
           </a:stretch>
@@ -7255,7 +7438,6 @@
               <a:rPr lang="es-PE" dirty="0"/>
               <a:t>https://developer.paypal.com/sdk/js/reference/</a:t>
             </a:r>
-            <a:endParaRPr lang="es-PE" dirty="0"/>
           </a:p>
         </p:txBody>
       </p:sp>
@@ -7268,7 +7450,7 @@
           <p:nvPr/>
         </p:nvPicPr>
         <p:blipFill rotWithShape="1">
-          <a:blip r:embed="rId3" cstate="hqprint">
+          <a:blip r:embed="rId4" cstate="print">
             <a:extLst>
               <a:ext uri="{28A0092B-C50C-407E-A947-70E740481C1C}">
                 <a14:useLocalDpi xmlns:a14="http://schemas.microsoft.com/office/drawing/2010/main" val="0"/>
@@ -7440,7 +7622,7 @@
           <p:nvPr/>
         </p:nvPicPr>
         <p:blipFill>
-          <a:blip r:embed="rId1">
+          <a:blip r:embed="rId2">
             <a:extLst>
               <a:ext uri="{28A0092B-C50C-407E-A947-70E740481C1C}">
                 <a14:useLocalDpi xmlns:a14="http://schemas.microsoft.com/office/drawing/2010/main" val="0"/>
@@ -7481,7 +7663,7 @@
           <p:nvPr/>
         </p:nvPicPr>
         <p:blipFill>
-          <a:blip r:embed="rId1">
+          <a:blip r:embed="rId2">
             <a:extLst>
               <a:ext uri="{28A0092B-C50C-407E-A947-70E740481C1C}">
                 <a14:useLocalDpi xmlns:a14="http://schemas.microsoft.com/office/drawing/2010/main" val="0"/>
@@ -7522,7 +7704,7 @@
           <p:nvPr/>
         </p:nvPicPr>
         <p:blipFill>
-          <a:blip r:embed="rId2"/>
+          <a:blip r:embed="rId3"/>
           <a:stretch>
             <a:fillRect/>
           </a:stretch>
@@ -7546,7 +7728,7 @@
           <p:nvPr/>
         </p:nvPicPr>
         <p:blipFill rotWithShape="1">
-          <a:blip r:embed="rId3" cstate="hqprint">
+          <a:blip r:embed="rId4" cstate="print">
             <a:extLst>
               <a:ext uri="{28A0092B-C50C-407E-A947-70E740481C1C}">
                 <a14:useLocalDpi xmlns:a14="http://schemas.microsoft.com/office/drawing/2010/main" val="0"/>
@@ -7701,7 +7883,13 @@
                 <a:tableStyleId>{5C22544A-7EE6-4342-B048-85BDC9FD1C3A}</a:tableStyleId>
               </a:tblPr>
               <a:tblGrid>
-                <a:gridCol w="2542222"/>
+                <a:gridCol w="2542222">
+                  <a:extLst>
+                    <a:ext uri="{9D8B030D-6E8A-4147-A177-3AD203B41FA5}">
+                      <a16:colId xmlns:a16="http://schemas.microsoft.com/office/drawing/2014/main" val="20000"/>
+                    </a:ext>
+                  </a:extLst>
+                </a:gridCol>
               </a:tblGrid>
               <a:tr h="303846">
                 <a:tc>
@@ -7718,6 +7906,11 @@
                   </a:txBody>
                   <a:tcPr/>
                 </a:tc>
+                <a:extLst>
+                  <a:ext uri="{0D108BD9-81ED-4DB2-BD59-A6C34878D82A}">
+                    <a16:rowId xmlns:a16="http://schemas.microsoft.com/office/drawing/2014/main" val="10000"/>
+                  </a:ext>
+                </a:extLst>
               </a:tr>
               <a:tr h="303846">
                 <a:tc>
@@ -7734,6 +7927,11 @@
                   </a:txBody>
                   <a:tcPr/>
                 </a:tc>
+                <a:extLst>
+                  <a:ext uri="{0D108BD9-81ED-4DB2-BD59-A6C34878D82A}">
+                    <a16:rowId xmlns:a16="http://schemas.microsoft.com/office/drawing/2014/main" val="10001"/>
+                  </a:ext>
+                </a:extLst>
               </a:tr>
               <a:tr h="303846">
                 <a:tc>
@@ -7750,6 +7948,11 @@
                   </a:txBody>
                   <a:tcPr/>
                 </a:tc>
+                <a:extLst>
+                  <a:ext uri="{0D108BD9-81ED-4DB2-BD59-A6C34878D82A}">
+                    <a16:rowId xmlns:a16="http://schemas.microsoft.com/office/drawing/2014/main" val="10002"/>
+                  </a:ext>
+                </a:extLst>
               </a:tr>
               <a:tr h="303846">
                 <a:tc>
@@ -7766,6 +7969,11 @@
                   </a:txBody>
                   <a:tcPr/>
                 </a:tc>
+                <a:extLst>
+                  <a:ext uri="{0D108BD9-81ED-4DB2-BD59-A6C34878D82A}">
+                    <a16:rowId xmlns:a16="http://schemas.microsoft.com/office/drawing/2014/main" val="10003"/>
+                  </a:ext>
+                </a:extLst>
               </a:tr>
               <a:tr h="303846">
                 <a:tc>
@@ -7782,6 +7990,11 @@
                   </a:txBody>
                   <a:tcPr/>
                 </a:tc>
+                <a:extLst>
+                  <a:ext uri="{0D108BD9-81ED-4DB2-BD59-A6C34878D82A}">
+                    <a16:rowId xmlns:a16="http://schemas.microsoft.com/office/drawing/2014/main" val="10004"/>
+                  </a:ext>
+                </a:extLst>
               </a:tr>
               <a:tr h="303846">
                 <a:tc>
@@ -7798,6 +8011,11 @@
                   </a:txBody>
                   <a:tcPr/>
                 </a:tc>
+                <a:extLst>
+                  <a:ext uri="{0D108BD9-81ED-4DB2-BD59-A6C34878D82A}">
+                    <a16:rowId xmlns:a16="http://schemas.microsoft.com/office/drawing/2014/main" val="10005"/>
+                  </a:ext>
+                </a:extLst>
               </a:tr>
               <a:tr h="303846">
                 <a:tc>
@@ -7818,6 +8036,11 @@
                   </a:txBody>
                   <a:tcPr/>
                 </a:tc>
+                <a:extLst>
+                  <a:ext uri="{0D108BD9-81ED-4DB2-BD59-A6C34878D82A}">
+                    <a16:rowId xmlns:a16="http://schemas.microsoft.com/office/drawing/2014/main" val="10006"/>
+                  </a:ext>
+                </a:extLst>
               </a:tr>
               <a:tr h="303846">
                 <a:tc>
@@ -7834,6 +8057,11 @@
                   </a:txBody>
                   <a:tcPr/>
                 </a:tc>
+                <a:extLst>
+                  <a:ext uri="{0D108BD9-81ED-4DB2-BD59-A6C34878D82A}">
+                    <a16:rowId xmlns:a16="http://schemas.microsoft.com/office/drawing/2014/main" val="10007"/>
+                  </a:ext>
+                </a:extLst>
               </a:tr>
             </a:tbl>
           </a:graphicData>
@@ -7864,7 +8092,6 @@
               <a:rPr lang="en-US" dirty="0"/>
               <a:t>https://webhook.site/</a:t>
             </a:r>
-            <a:endParaRPr lang="en-US" dirty="0"/>
           </a:p>
         </p:txBody>
       </p:sp>
@@ -8039,7 +8266,7 @@
           <p:nvPr/>
         </p:nvPicPr>
         <p:blipFill>
-          <a:blip r:embed="rId1">
+          <a:blip r:embed="rId2">
             <a:extLst>
               <a:ext uri="{28A0092B-C50C-407E-A947-70E740481C1C}">
                 <a14:useLocalDpi xmlns:a14="http://schemas.microsoft.com/office/drawing/2010/main" val="0"/>
@@ -8080,7 +8307,7 @@
           <p:nvPr/>
         </p:nvPicPr>
         <p:blipFill>
-          <a:blip r:embed="rId1">
+          <a:blip r:embed="rId2">
             <a:extLst>
               <a:ext uri="{28A0092B-C50C-407E-A947-70E740481C1C}">
                 <a14:useLocalDpi xmlns:a14="http://schemas.microsoft.com/office/drawing/2010/main" val="0"/>
@@ -8121,7 +8348,7 @@
           <p:nvPr/>
         </p:nvPicPr>
         <p:blipFill>
-          <a:blip r:embed="rId2"/>
+          <a:blip r:embed="rId3"/>
           <a:stretch>
             <a:fillRect/>
           </a:stretch>
@@ -8145,7 +8372,7 @@
           <p:nvPr/>
         </p:nvPicPr>
         <p:blipFill rotWithShape="1">
-          <a:blip r:embed="rId3" cstate="hqprint">
+          <a:blip r:embed="rId4" cstate="print">
             <a:extLst>
               <a:ext uri="{28A0092B-C50C-407E-A947-70E740481C1C}">
                 <a14:useLocalDpi xmlns:a14="http://schemas.microsoft.com/office/drawing/2010/main" val="0"/>
@@ -8202,7 +8429,6 @@
               <a:rPr lang="en-US" dirty="0"/>
               <a:t>https://webhook.site/</a:t>
             </a:r>
-            <a:endParaRPr lang="en-US" dirty="0"/>
           </a:p>
         </p:txBody>
       </p:sp>
@@ -8215,7 +8441,7 @@
           <p:nvPr/>
         </p:nvPicPr>
         <p:blipFill>
-          <a:blip r:embed="rId4">
+          <a:blip r:embed="rId5" cstate="print">
             <a:extLst>
               <a:ext uri="{28A0092B-C50C-407E-A947-70E740481C1C}">
                 <a14:useLocalDpi xmlns:a14="http://schemas.microsoft.com/office/drawing/2010/main" val="0"/>
@@ -8475,7 +8701,7 @@
           <p:nvPr/>
         </p:nvPicPr>
         <p:blipFill>
-          <a:blip r:embed="rId1">
+          <a:blip r:embed="rId2">
             <a:extLst>
               <a:ext uri="{28A0092B-C50C-407E-A947-70E740481C1C}">
                 <a14:useLocalDpi xmlns:a14="http://schemas.microsoft.com/office/drawing/2010/main" val="0"/>
@@ -8510,83 +8736,6 @@
       <p:pic>
         <p:nvPicPr>
           <p:cNvPr id="2058" name="Picture 10" descr="Servidor - Iconos gratis de electrónica"/>
-          <p:cNvPicPr>
-            <a:picLocks noChangeAspect="1" noChangeArrowheads="1"/>
-          </p:cNvPicPr>
-          <p:nvPr/>
-        </p:nvPicPr>
-        <p:blipFill>
-          <a:blip r:embed="rId2" cstate="print">
-            <a:extLst>
-              <a:ext uri="{28A0092B-C50C-407E-A947-70E740481C1C}">
-                <a14:useLocalDpi xmlns:a14="http://schemas.microsoft.com/office/drawing/2010/main" val="0"/>
-              </a:ext>
-            </a:extLst>
-          </a:blip>
-          <a:srcRect/>
-          <a:stretch>
-            <a:fillRect/>
-          </a:stretch>
-        </p:blipFill>
-        <p:spPr bwMode="auto">
-          <a:xfrm>
-            <a:off x="714495" y="4432300"/>
-            <a:ext cx="1751012" cy="1751012"/>
-          </a:xfrm>
-          <a:prstGeom prst="rect">
-            <a:avLst/>
-          </a:prstGeom>
-          <a:noFill/>
-          <a:extLst>
-            <a:ext uri="{909E8E84-426E-40DD-AFC4-6F175D3DCCD1}">
-              <a14:hiddenFill xmlns:a14="http://schemas.microsoft.com/office/drawing/2010/main">
-                <a:solidFill>
-                  <a:srgbClr val="FFFFFF"/>
-                </a:solidFill>
-              </a14:hiddenFill>
-            </a:ext>
-          </a:extLst>
-        </p:spPr>
-      </p:pic>
-      <p:sp>
-        <p:nvSpPr>
-          <p:cNvPr id="3" name="CuadroTexto 2"/>
-          <p:cNvSpPr txBox="1"/>
-          <p:nvPr/>
-        </p:nvSpPr>
-        <p:spPr>
-          <a:xfrm>
-            <a:off x="442379" y="2561626"/>
-            <a:ext cx="2333716" cy="307777"/>
-          </a:xfrm>
-          <a:prstGeom prst="rect">
-            <a:avLst/>
-          </a:prstGeom>
-          <a:noFill/>
-        </p:spPr>
-        <p:txBody>
-          <a:bodyPr wrap="none" rtlCol="0">
-            <a:spAutoFit/>
-          </a:bodyPr>
-          <a:lstStyle/>
-          <a:p>
-            <a:r>
-              <a:rPr lang="es-MX" sz="1400" b="1" dirty="0">
-                <a:latin typeface="Arial" panose="020B0604020202020204" pitchFamily="34" charset="0"/>
-                <a:cs typeface="Arial" panose="020B0604020202020204" pitchFamily="34" charset="0"/>
-              </a:rPr>
-              <a:t>BASE DE DATOS MYSQL</a:t>
-            </a:r>
-            <a:endParaRPr lang="en-US" sz="1400" b="1" dirty="0">
-              <a:latin typeface="Arial" panose="020B0604020202020204" pitchFamily="34" charset="0"/>
-              <a:cs typeface="Arial" panose="020B0604020202020204" pitchFamily="34" charset="0"/>
-            </a:endParaRPr>
-          </a:p>
-        </p:txBody>
-      </p:sp>
-      <p:pic>
-        <p:nvPicPr>
-          <p:cNvPr id="2060" name="Picture 12" descr="Servidor de cliente - Iconos gratis de computadora"/>
           <p:cNvPicPr>
             <a:picLocks noChangeAspect="1" noChangeArrowheads="1"/>
           </p:cNvPicPr>
@@ -8607,8 +8756,8 @@
         </p:blipFill>
         <p:spPr bwMode="auto">
           <a:xfrm>
-            <a:off x="7928772" y="2315145"/>
-            <a:ext cx="1108515" cy="1108515"/>
+            <a:off x="714495" y="4432300"/>
+            <a:ext cx="1751012" cy="1751012"/>
           </a:xfrm>
           <a:prstGeom prst="rect">
             <a:avLst/>
@@ -8625,16 +8774,52 @@
           </a:extLst>
         </p:spPr>
       </p:pic>
+      <p:sp>
+        <p:nvSpPr>
+          <p:cNvPr id="3" name="CuadroTexto 2"/>
+          <p:cNvSpPr txBox="1"/>
+          <p:nvPr/>
+        </p:nvSpPr>
+        <p:spPr>
+          <a:xfrm>
+            <a:off x="442379" y="2561626"/>
+            <a:ext cx="2333716" cy="307777"/>
+          </a:xfrm>
+          <a:prstGeom prst="rect">
+            <a:avLst/>
+          </a:prstGeom>
+          <a:noFill/>
+        </p:spPr>
+        <p:txBody>
+          <a:bodyPr wrap="none" rtlCol="0">
+            <a:spAutoFit/>
+          </a:bodyPr>
+          <a:lstStyle/>
+          <a:p>
+            <a:r>
+              <a:rPr lang="es-MX" sz="1400" b="1" dirty="0">
+                <a:latin typeface="Arial" panose="020B0604020202020204" pitchFamily="34" charset="0"/>
+                <a:cs typeface="Arial" panose="020B0604020202020204" pitchFamily="34" charset="0"/>
+              </a:rPr>
+              <a:t>BASE DE DATOS MYSQL</a:t>
+            </a:r>
+            <a:endParaRPr lang="en-US" sz="1400" b="1" dirty="0">
+              <a:latin typeface="Arial" panose="020B0604020202020204" pitchFamily="34" charset="0"/>
+              <a:cs typeface="Arial" panose="020B0604020202020204" pitchFamily="34" charset="0"/>
+            </a:endParaRPr>
+          </a:p>
+        </p:txBody>
+      </p:sp>
       <p:pic>
         <p:nvPicPr>
-          <p:cNvPr id="12" name="Picture 12" descr="Servidor de cliente - Iconos gratis de computadora"/>
+          <p:cNvPr id="2060" name="Picture 12" descr="Servidor de cliente - Iconos gratis de computadora"/>
           <p:cNvPicPr>
             <a:picLocks noChangeAspect="1" noChangeArrowheads="1"/>
           </p:cNvPicPr>
           <p:nvPr/>
         </p:nvPicPr>
         <p:blipFill>
-          <a:blip r:embed="rId3" cstate="print">
+          <a:blip r:embed="rId4" cstate="print">
             <a:extLst>
               <a:ext uri="{28A0092B-C50C-407E-A947-70E740481C1C}">
                 <a14:useLocalDpi xmlns:a14="http://schemas.microsoft.com/office/drawing/2010/main" val="0"/>
@@ -8648,7 +8833,7 @@
         </p:blipFill>
         <p:spPr bwMode="auto">
           <a:xfrm>
-            <a:off x="8068263" y="5749485"/>
+            <a:off x="7928772" y="2315145"/>
             <a:ext cx="1108515" cy="1108515"/>
           </a:xfrm>
           <a:prstGeom prst="rect">
@@ -8668,6 +8853,47 @@
       </p:pic>
       <p:pic>
         <p:nvPicPr>
+          <p:cNvPr id="12" name="Picture 12" descr="Servidor de cliente - Iconos gratis de computadora"/>
+          <p:cNvPicPr>
+            <a:picLocks noChangeAspect="1" noChangeArrowheads="1"/>
+          </p:cNvPicPr>
+          <p:nvPr/>
+        </p:nvPicPr>
+        <p:blipFill>
+          <a:blip r:embed="rId4" cstate="print">
+            <a:extLst>
+              <a:ext uri="{28A0092B-C50C-407E-A947-70E740481C1C}">
+                <a14:useLocalDpi xmlns:a14="http://schemas.microsoft.com/office/drawing/2010/main" val="0"/>
+              </a:ext>
+            </a:extLst>
+          </a:blip>
+          <a:srcRect/>
+          <a:stretch>
+            <a:fillRect/>
+          </a:stretch>
+        </p:blipFill>
+        <p:spPr bwMode="auto">
+          <a:xfrm>
+            <a:off x="8068263" y="5749485"/>
+            <a:ext cx="1108515" cy="1108515"/>
+          </a:xfrm>
+          <a:prstGeom prst="rect">
+            <a:avLst/>
+          </a:prstGeom>
+          <a:noFill/>
+          <a:extLst>
+            <a:ext uri="{909E8E84-426E-40DD-AFC4-6F175D3DCCD1}">
+              <a14:hiddenFill xmlns:a14="http://schemas.microsoft.com/office/drawing/2010/main">
+                <a:solidFill>
+                  <a:srgbClr val="FFFFFF"/>
+                </a:solidFill>
+              </a14:hiddenFill>
+            </a:ext>
+          </a:extLst>
+        </p:spPr>
+      </p:pic>
+      <p:pic>
+        <p:nvPicPr>
           <p:cNvPr id="2062" name="Picture 14" descr="Servidor - Iconos gratis de tecnología"/>
           <p:cNvPicPr>
             <a:picLocks noChangeAspect="1" noChangeArrowheads="1"/>
@@ -8675,7 +8901,7 @@
           <p:nvPr/>
         </p:nvPicPr>
         <p:blipFill>
-          <a:blip r:embed="rId4" cstate="print">
+          <a:blip r:embed="rId5" cstate="print">
             <a:extLst>
               <a:ext uri="{28A0092B-C50C-407E-A947-70E740481C1C}">
                 <a14:useLocalDpi xmlns:a14="http://schemas.microsoft.com/office/drawing/2010/main" val="0"/>
@@ -9112,88 +9338,6 @@
           <p:nvPr/>
         </p:nvPicPr>
         <p:blipFill>
-          <a:blip r:embed="rId5" cstate="print">
-            <a:extLst>
-              <a:ext uri="{28A0092B-C50C-407E-A947-70E740481C1C}">
-                <a14:useLocalDpi xmlns:a14="http://schemas.microsoft.com/office/drawing/2010/main" val="0"/>
-              </a:ext>
-            </a:extLst>
-          </a:blip>
-          <a:srcRect/>
-          <a:stretch>
-            <a:fillRect/>
-          </a:stretch>
-        </p:blipFill>
-        <p:spPr bwMode="auto">
-          <a:xfrm>
-            <a:off x="6077527" y="2970459"/>
-            <a:ext cx="1851245" cy="895159"/>
-          </a:xfrm>
-          <a:prstGeom prst="rect">
-            <a:avLst/>
-          </a:prstGeom>
-          <a:noFill/>
-          <a:extLst>
-            <a:ext uri="{909E8E84-426E-40DD-AFC4-6F175D3DCCD1}">
-              <a14:hiddenFill xmlns:a14="http://schemas.microsoft.com/office/drawing/2010/main">
-                <a:solidFill>
-                  <a:srgbClr val="FFFFFF"/>
-                </a:solidFill>
-              </a14:hiddenFill>
-            </a:ext>
-          </a:extLst>
-        </p:spPr>
-      </p:pic>
-      <p:pic>
-        <p:nvPicPr>
-          <p:cNvPr id="24" name="Picture 4" descr="Angular (framework) - Wikipedia, la enciclopedia libre"/>
-          <p:cNvPicPr>
-            <a:picLocks noChangeAspect="1" noChangeArrowheads="1"/>
-          </p:cNvPicPr>
-          <p:nvPr/>
-        </p:nvPicPr>
-        <p:blipFill>
-          <a:blip r:embed="rId1">
-            <a:extLst>
-              <a:ext uri="{28A0092B-C50C-407E-A947-70E740481C1C}">
-                <a14:useLocalDpi xmlns:a14="http://schemas.microsoft.com/office/drawing/2010/main" val="0"/>
-              </a:ext>
-            </a:extLst>
-          </a:blip>
-          <a:srcRect/>
-          <a:stretch>
-            <a:fillRect/>
-          </a:stretch>
-        </p:blipFill>
-        <p:spPr bwMode="auto">
-          <a:xfrm>
-            <a:off x="6884814" y="778445"/>
-            <a:ext cx="1536700" cy="1536700"/>
-          </a:xfrm>
-          <a:prstGeom prst="rect">
-            <a:avLst/>
-          </a:prstGeom>
-          <a:noFill/>
-          <a:extLst>
-            <a:ext uri="{909E8E84-426E-40DD-AFC4-6F175D3DCCD1}">
-              <a14:hiddenFill xmlns:a14="http://schemas.microsoft.com/office/drawing/2010/main">
-                <a:solidFill>
-                  <a:srgbClr val="FFFFFF"/>
-                </a:solidFill>
-              </a14:hiddenFill>
-            </a:ext>
-          </a:extLst>
-        </p:spPr>
-      </p:pic>
-      <p:pic>
-        <p:nvPicPr>
-          <p:cNvPr id="6" name="Picture 4" descr="Curso Laravel - Jóvenes Programadores"/>
-          <p:cNvPicPr>
-            <a:picLocks noChangeAspect="1" noChangeArrowheads="1"/>
-          </p:cNvPicPr>
-          <p:nvPr/>
-        </p:nvPicPr>
-        <p:blipFill>
           <a:blip r:embed="rId6" cstate="print">
             <a:extLst>
               <a:ext uri="{28A0092B-C50C-407E-A947-70E740481C1C}">
@@ -9208,8 +9352,8 @@
         </p:blipFill>
         <p:spPr bwMode="auto">
           <a:xfrm>
-            <a:off x="4235885" y="2830964"/>
-            <a:ext cx="1409522" cy="1465495"/>
+            <a:off x="6077527" y="2970459"/>
+            <a:ext cx="1851245" cy="895159"/>
           </a:xfrm>
           <a:prstGeom prst="rect">
             <a:avLst/>
@@ -9228,6 +9372,88 @@
       </p:pic>
       <p:pic>
         <p:nvPicPr>
+          <p:cNvPr id="24" name="Picture 4" descr="Angular (framework) - Wikipedia, la enciclopedia libre"/>
+          <p:cNvPicPr>
+            <a:picLocks noChangeAspect="1" noChangeArrowheads="1"/>
+          </p:cNvPicPr>
+          <p:nvPr/>
+        </p:nvPicPr>
+        <p:blipFill>
+          <a:blip r:embed="rId2">
+            <a:extLst>
+              <a:ext uri="{28A0092B-C50C-407E-A947-70E740481C1C}">
+                <a14:useLocalDpi xmlns:a14="http://schemas.microsoft.com/office/drawing/2010/main" val="0"/>
+              </a:ext>
+            </a:extLst>
+          </a:blip>
+          <a:srcRect/>
+          <a:stretch>
+            <a:fillRect/>
+          </a:stretch>
+        </p:blipFill>
+        <p:spPr bwMode="auto">
+          <a:xfrm>
+            <a:off x="6884814" y="778445"/>
+            <a:ext cx="1536700" cy="1536700"/>
+          </a:xfrm>
+          <a:prstGeom prst="rect">
+            <a:avLst/>
+          </a:prstGeom>
+          <a:noFill/>
+          <a:extLst>
+            <a:ext uri="{909E8E84-426E-40DD-AFC4-6F175D3DCCD1}">
+              <a14:hiddenFill xmlns:a14="http://schemas.microsoft.com/office/drawing/2010/main">
+                <a:solidFill>
+                  <a:srgbClr val="FFFFFF"/>
+                </a:solidFill>
+              </a14:hiddenFill>
+            </a:ext>
+          </a:extLst>
+        </p:spPr>
+      </p:pic>
+      <p:pic>
+        <p:nvPicPr>
+          <p:cNvPr id="6" name="Picture 4" descr="Curso Laravel - Jóvenes Programadores"/>
+          <p:cNvPicPr>
+            <a:picLocks noChangeAspect="1" noChangeArrowheads="1"/>
+          </p:cNvPicPr>
+          <p:nvPr/>
+        </p:nvPicPr>
+        <p:blipFill>
+          <a:blip r:embed="rId7" cstate="print">
+            <a:extLst>
+              <a:ext uri="{28A0092B-C50C-407E-A947-70E740481C1C}">
+                <a14:useLocalDpi xmlns:a14="http://schemas.microsoft.com/office/drawing/2010/main" val="0"/>
+              </a:ext>
+            </a:extLst>
+          </a:blip>
+          <a:srcRect/>
+          <a:stretch>
+            <a:fillRect/>
+          </a:stretch>
+        </p:blipFill>
+        <p:spPr bwMode="auto">
+          <a:xfrm>
+            <a:off x="4235885" y="2830964"/>
+            <a:ext cx="1409522" cy="1465495"/>
+          </a:xfrm>
+          <a:prstGeom prst="rect">
+            <a:avLst/>
+          </a:prstGeom>
+          <a:noFill/>
+          <a:extLst>
+            <a:ext uri="{909E8E84-426E-40DD-AFC4-6F175D3DCCD1}">
+              <a14:hiddenFill xmlns:a14="http://schemas.microsoft.com/office/drawing/2010/main">
+                <a:solidFill>
+                  <a:srgbClr val="FFFFFF"/>
+                </a:solidFill>
+              </a14:hiddenFill>
+            </a:ext>
+          </a:extLst>
+        </p:spPr>
+      </p:pic>
+      <p:pic>
+        <p:nvPicPr>
           <p:cNvPr id="2050" name="Picture 2" descr="MySQL en host - Amazon RDS para MySQL - AWS"/>
           <p:cNvPicPr>
             <a:picLocks noChangeAspect="1" noChangeArrowheads="1"/>
@@ -9235,7 +9461,7 @@
           <p:nvPr/>
         </p:nvPicPr>
         <p:blipFill>
-          <a:blip r:embed="rId7" cstate="print">
+          <a:blip r:embed="rId8" cstate="print">
             <a:extLst>
               <a:ext uri="{28A0092B-C50C-407E-A947-70E740481C1C}">
                 <a14:useLocalDpi xmlns:a14="http://schemas.microsoft.com/office/drawing/2010/main" val="0"/>
@@ -9470,17 +9696,6 @@
               </a:rPr>
               <a:t> Y Registro.</a:t>
             </a:r>
-            <a:endParaRPr lang="es-MX" sz="1600" dirty="0">
-              <a:solidFill>
-                <a:schemeClr val="tx1">
-                  <a:lumMod val="75000"/>
-                  <a:lumOff val="25000"/>
-                </a:schemeClr>
-              </a:solidFill>
-              <a:latin typeface="Tahoma" panose="020B0604030504040204" pitchFamily="34" charset="0"/>
-              <a:ea typeface="Tahoma" panose="020B0604030504040204" pitchFamily="34" charset="0"/>
-              <a:cs typeface="Tahoma" panose="020B0604030504040204" pitchFamily="34" charset="0"/>
-            </a:endParaRPr>
           </a:p>
           <a:p>
             <a:pPr marL="285750" indent="-285750">
@@ -9543,17 +9758,6 @@
               </a:rPr>
               <a:t>.</a:t>
             </a:r>
-            <a:endParaRPr lang="es-MX" sz="1600" dirty="0">
-              <a:solidFill>
-                <a:schemeClr val="tx1">
-                  <a:lumMod val="75000"/>
-                  <a:lumOff val="25000"/>
-                </a:schemeClr>
-              </a:solidFill>
-              <a:latin typeface="Tahoma" panose="020B0604030504040204" pitchFamily="34" charset="0"/>
-              <a:ea typeface="Tahoma" panose="020B0604030504040204" pitchFamily="34" charset="0"/>
-              <a:cs typeface="Tahoma" panose="020B0604030504040204" pitchFamily="34" charset="0"/>
-            </a:endParaRPr>
           </a:p>
           <a:p>
             <a:pPr marL="285750" indent="-285750">
@@ -9574,17 +9778,6 @@
               </a:rPr>
               <a:t>Tags.</a:t>
             </a:r>
-            <a:endParaRPr lang="es-MX" sz="1600" dirty="0">
-              <a:solidFill>
-                <a:schemeClr val="tx1">
-                  <a:lumMod val="75000"/>
-                  <a:lumOff val="25000"/>
-                </a:schemeClr>
-              </a:solidFill>
-              <a:latin typeface="Tahoma" panose="020B0604030504040204" pitchFamily="34" charset="0"/>
-              <a:ea typeface="Tahoma" panose="020B0604030504040204" pitchFamily="34" charset="0"/>
-              <a:cs typeface="Tahoma" panose="020B0604030504040204" pitchFamily="34" charset="0"/>
-            </a:endParaRPr>
           </a:p>
           <a:p>
             <a:pPr marL="285750" indent="-285750">
@@ -9605,17 +9798,6 @@
               </a:rPr>
               <a:t>Película, TV , Series, etc.</a:t>
             </a:r>
-            <a:endParaRPr lang="es-MX" sz="1600" dirty="0">
-              <a:solidFill>
-                <a:schemeClr val="tx1">
-                  <a:lumMod val="75000"/>
-                  <a:lumOff val="25000"/>
-                </a:schemeClr>
-              </a:solidFill>
-              <a:latin typeface="Tahoma" panose="020B0604030504040204" pitchFamily="34" charset="0"/>
-              <a:ea typeface="Tahoma" panose="020B0604030504040204" pitchFamily="34" charset="0"/>
-              <a:cs typeface="Tahoma" panose="020B0604030504040204" pitchFamily="34" charset="0"/>
-            </a:endParaRPr>
           </a:p>
           <a:p>
             <a:pPr marL="285750" indent="-285750">
@@ -9664,17 +9846,6 @@
               </a:rPr>
               <a:t>.</a:t>
             </a:r>
-            <a:endParaRPr lang="es-MX" sz="1600" dirty="0">
-              <a:solidFill>
-                <a:schemeClr val="tx1">
-                  <a:lumMod val="75000"/>
-                  <a:lumOff val="25000"/>
-                </a:schemeClr>
-              </a:solidFill>
-              <a:latin typeface="Tahoma" panose="020B0604030504040204" pitchFamily="34" charset="0"/>
-              <a:ea typeface="Tahoma" panose="020B0604030504040204" pitchFamily="34" charset="0"/>
-              <a:cs typeface="Tahoma" panose="020B0604030504040204" pitchFamily="34" charset="0"/>
-            </a:endParaRPr>
           </a:p>
           <a:p>
             <a:pPr marL="285750" indent="-285750">
@@ -9695,17 +9866,6 @@
               </a:rPr>
               <a:t>Productos (A nivel de suscripción).</a:t>
             </a:r>
-            <a:endParaRPr lang="es-MX" sz="1600" dirty="0">
-              <a:solidFill>
-                <a:schemeClr val="tx1">
-                  <a:lumMod val="75000"/>
-                  <a:lumOff val="25000"/>
-                </a:schemeClr>
-              </a:solidFill>
-              <a:latin typeface="Tahoma" panose="020B0604030504040204" pitchFamily="34" charset="0"/>
-              <a:ea typeface="Tahoma" panose="020B0604030504040204" pitchFamily="34" charset="0"/>
-              <a:cs typeface="Tahoma" panose="020B0604030504040204" pitchFamily="34" charset="0"/>
-            </a:endParaRPr>
           </a:p>
           <a:p>
             <a:pPr marL="285750" indent="-285750">
@@ -9726,17 +9886,6 @@
               </a:rPr>
               <a:t>Planes de suscripción.</a:t>
             </a:r>
-            <a:endParaRPr lang="es-MX" sz="1600" dirty="0">
-              <a:solidFill>
-                <a:schemeClr val="tx1">
-                  <a:lumMod val="75000"/>
-                  <a:lumOff val="25000"/>
-                </a:schemeClr>
-              </a:solidFill>
-              <a:latin typeface="Tahoma" panose="020B0604030504040204" pitchFamily="34" charset="0"/>
-              <a:ea typeface="Tahoma" panose="020B0604030504040204" pitchFamily="34" charset="0"/>
-              <a:cs typeface="Tahoma" panose="020B0604030504040204" pitchFamily="34" charset="0"/>
-            </a:endParaRPr>
           </a:p>
           <a:p>
             <a:pPr marL="285750" indent="-285750">
@@ -9771,17 +9920,6 @@
               </a:rPr>
               <a:t> de Suscripción.</a:t>
             </a:r>
-            <a:endParaRPr lang="es-MX" sz="1600" dirty="0">
-              <a:solidFill>
-                <a:schemeClr val="tx1">
-                  <a:lumMod val="75000"/>
-                  <a:lumOff val="25000"/>
-                </a:schemeClr>
-              </a:solidFill>
-              <a:latin typeface="Tahoma" panose="020B0604030504040204" pitchFamily="34" charset="0"/>
-              <a:ea typeface="Tahoma" panose="020B0604030504040204" pitchFamily="34" charset="0"/>
-              <a:cs typeface="Tahoma" panose="020B0604030504040204" pitchFamily="34" charset="0"/>
-            </a:endParaRPr>
           </a:p>
           <a:p>
             <a:pPr marL="285750" indent="-285750">
@@ -9802,17 +9940,6 @@
               </a:rPr>
               <a:t>Permisos por tipo de plan.</a:t>
             </a:r>
-            <a:endParaRPr lang="es-MX" sz="1600" dirty="0">
-              <a:solidFill>
-                <a:schemeClr val="tx1">
-                  <a:lumMod val="75000"/>
-                  <a:lumOff val="25000"/>
-                </a:schemeClr>
-              </a:solidFill>
-              <a:latin typeface="Tahoma" panose="020B0604030504040204" pitchFamily="34" charset="0"/>
-              <a:ea typeface="Tahoma" panose="020B0604030504040204" pitchFamily="34" charset="0"/>
-              <a:cs typeface="Tahoma" panose="020B0604030504040204" pitchFamily="34" charset="0"/>
-            </a:endParaRPr>
           </a:p>
           <a:p>
             <a:pPr marL="285750" indent="-285750">
@@ -9847,17 +9974,6 @@
               </a:rPr>
               <a:t>.</a:t>
             </a:r>
-            <a:endParaRPr lang="es-MX" sz="1600" dirty="0">
-              <a:solidFill>
-                <a:schemeClr val="tx1">
-                  <a:lumMod val="75000"/>
-                  <a:lumOff val="25000"/>
-                </a:schemeClr>
-              </a:solidFill>
-              <a:latin typeface="Tahoma" panose="020B0604030504040204" pitchFamily="34" charset="0"/>
-              <a:ea typeface="Tahoma" panose="020B0604030504040204" pitchFamily="34" charset="0"/>
-              <a:cs typeface="Tahoma" panose="020B0604030504040204" pitchFamily="34" charset="0"/>
-            </a:endParaRPr>
           </a:p>
           <a:p>
             <a:pPr marL="285750" indent="-285750">
@@ -9878,17 +9994,6 @@
               </a:rPr>
               <a:t>Perfil del cliente.</a:t>
             </a:r>
-            <a:endParaRPr lang="es-MX" sz="1600" dirty="0">
-              <a:solidFill>
-                <a:schemeClr val="tx1">
-                  <a:lumMod val="75000"/>
-                  <a:lumOff val="25000"/>
-                </a:schemeClr>
-              </a:solidFill>
-              <a:latin typeface="Tahoma" panose="020B0604030504040204" pitchFamily="34" charset="0"/>
-              <a:ea typeface="Tahoma" panose="020B0604030504040204" pitchFamily="34" charset="0"/>
-              <a:cs typeface="Tahoma" panose="020B0604030504040204" pitchFamily="34" charset="0"/>
-            </a:endParaRPr>
           </a:p>
         </p:txBody>
       </p:sp>
@@ -9901,7 +10006,7 @@
           <p:nvPr/>
         </p:nvPicPr>
         <p:blipFill>
-          <a:blip r:embed="rId1">
+          <a:blip r:embed="rId2">
             <a:extLst>
               <a:ext uri="{28A0092B-C50C-407E-A947-70E740481C1C}">
                 <a14:useLocalDpi xmlns:a14="http://schemas.microsoft.com/office/drawing/2010/main" val="0"/>
@@ -9942,7 +10047,7 @@
           <p:nvPr/>
         </p:nvPicPr>
         <p:blipFill>
-          <a:blip r:embed="rId1">
+          <a:blip r:embed="rId2">
             <a:extLst>
               <a:ext uri="{28A0092B-C50C-407E-A947-70E740481C1C}">
                 <a14:useLocalDpi xmlns:a14="http://schemas.microsoft.com/office/drawing/2010/main" val="0"/>
@@ -9983,7 +10088,7 @@
           <p:nvPr/>
         </p:nvPicPr>
         <p:blipFill>
-          <a:blip r:embed="rId2" cstate="print">
+          <a:blip r:embed="rId3" cstate="print">
             <a:extLst>
               <a:ext uri="{28A0092B-C50C-407E-A947-70E740481C1C}">
                 <a14:useLocalDpi xmlns:a14="http://schemas.microsoft.com/office/drawing/2010/main" val="0"/>
@@ -10024,7 +10129,7 @@
           <p:nvPr/>
         </p:nvPicPr>
         <p:blipFill>
-          <a:blip r:embed="rId3"/>
+          <a:blip r:embed="rId4"/>
           <a:stretch>
             <a:fillRect/>
           </a:stretch>
@@ -10048,7 +10153,7 @@
           <p:nvPr/>
         </p:nvPicPr>
         <p:blipFill rotWithShape="1">
-          <a:blip r:embed="rId4" cstate="hqprint">
+          <a:blip r:embed="rId5" cstate="print">
             <a:extLst>
               <a:ext uri="{28A0092B-C50C-407E-A947-70E740481C1C}">
                 <a14:useLocalDpi xmlns:a14="http://schemas.microsoft.com/office/drawing/2010/main" val="0"/>
@@ -10263,14 +10368,6 @@
               </a:rPr>
               <a:t>Crear proyecto en angular:</a:t>
             </a:r>
-            <a:endParaRPr lang="es-MX" dirty="0">
-              <a:solidFill>
-                <a:schemeClr val="tx1">
-                  <a:lumMod val="75000"/>
-                  <a:lumOff val="25000"/>
-                </a:schemeClr>
-              </a:solidFill>
-            </a:endParaRPr>
           </a:p>
           <a:p>
             <a:pPr marL="285750" indent="-285750">
@@ -10406,14 +10503,6 @@
               </a:rPr>
               <a:t>):</a:t>
             </a:r>
-            <a:endParaRPr lang="es-MX" dirty="0">
-              <a:solidFill>
-                <a:schemeClr val="tx1">
-                  <a:lumMod val="75000"/>
-                  <a:lumOff val="25000"/>
-                </a:schemeClr>
-              </a:solidFill>
-            </a:endParaRPr>
           </a:p>
           <a:p>
             <a:pPr marL="285750" indent="-285750">
@@ -10478,14 +10567,6 @@
               </a:rPr>
               <a:t>Ng serve</a:t>
             </a:r>
-            <a:endParaRPr lang="es-MX" dirty="0">
-              <a:solidFill>
-                <a:schemeClr val="tx1">
-                  <a:lumMod val="75000"/>
-                  <a:lumOff val="25000"/>
-                </a:schemeClr>
-              </a:solidFill>
-            </a:endParaRPr>
           </a:p>
         </p:txBody>
       </p:sp>
@@ -10541,14 +10622,6 @@
               </a:rPr>
               <a:t>Crear proyecto en LARAVEL (API):</a:t>
             </a:r>
-            <a:endParaRPr lang="es-MX" dirty="0">
-              <a:solidFill>
-                <a:schemeClr val="tx1">
-                  <a:lumMod val="75000"/>
-                  <a:lumOff val="25000"/>
-                </a:schemeClr>
-              </a:solidFill>
-            </a:endParaRPr>
           </a:p>
           <a:p>
             <a:endParaRPr lang="es-MX" dirty="0">
@@ -10671,14 +10744,6 @@
               </a:rPr>
               <a:t>-app "8.5.*" </a:t>
             </a:r>
-            <a:endParaRPr lang="es-MX" dirty="0">
-              <a:solidFill>
-                <a:schemeClr val="tx1">
-                  <a:lumMod val="75000"/>
-                  <a:lumOff val="25000"/>
-                </a:schemeClr>
-              </a:solidFill>
-            </a:endParaRPr>
           </a:p>
           <a:p>
             <a:r>
@@ -10692,14 +10757,6 @@
               </a:rPr>
               <a:t>php artisan serve</a:t>
             </a:r>
-            <a:endParaRPr lang="es-MX" dirty="0">
-              <a:solidFill>
-                <a:schemeClr val="tx1">
-                  <a:lumMod val="75000"/>
-                  <a:lumOff val="25000"/>
-                </a:schemeClr>
-              </a:solidFill>
-            </a:endParaRPr>
           </a:p>
           <a:p>
             <a:r>
@@ -10710,7 +10767,7 @@
                     <a:lumOff val="25000"/>
                   </a:schemeClr>
                 </a:solidFill>
-                <a:hlinkClick r:id="rId1"/>
+                <a:hlinkClick r:id="rId2"/>
               </a:rPr>
               <a:t>https://www.binaryboxtuts.com/php-tutorials/laravel-8-json-web-tokenjwt-authentication/</a:t>
             </a:r>
@@ -10725,14 +10782,6 @@
               </a:rPr>
               <a:t> </a:t>
             </a:r>
-            <a:endParaRPr lang="es-MX" dirty="0">
-              <a:solidFill>
-                <a:schemeClr val="tx1">
-                  <a:lumMod val="75000"/>
-                  <a:lumOff val="25000"/>
-                </a:schemeClr>
-              </a:solidFill>
-            </a:endParaRPr>
           </a:p>
         </p:txBody>
       </p:sp>
@@ -10761,7 +10810,6 @@
               <a:rPr lang="en-US" dirty="0"/>
               <a:t>ng generate module app-routing --flat --module=app</a:t>
             </a:r>
-            <a:endParaRPr lang="en-US" dirty="0"/>
           </a:p>
         </p:txBody>
       </p:sp>
@@ -10774,7 +10822,7 @@
           <p:nvPr/>
         </p:nvPicPr>
         <p:blipFill>
-          <a:blip r:embed="rId2">
+          <a:blip r:embed="rId3">
             <a:extLst>
               <a:ext uri="{28A0092B-C50C-407E-A947-70E740481C1C}">
                 <a14:useLocalDpi xmlns:a14="http://schemas.microsoft.com/office/drawing/2010/main" val="0"/>
@@ -10815,7 +10863,7 @@
           <p:nvPr/>
         </p:nvPicPr>
         <p:blipFill>
-          <a:blip r:embed="rId2">
+          <a:blip r:embed="rId3">
             <a:extLst>
               <a:ext uri="{28A0092B-C50C-407E-A947-70E740481C1C}">
                 <a14:useLocalDpi xmlns:a14="http://schemas.microsoft.com/office/drawing/2010/main" val="0"/>
@@ -10856,7 +10904,7 @@
           <p:nvPr/>
         </p:nvPicPr>
         <p:blipFill>
-          <a:blip r:embed="rId3"/>
+          <a:blip r:embed="rId4"/>
           <a:stretch>
             <a:fillRect/>
           </a:stretch>
@@ -10880,7 +10928,7 @@
           <p:nvPr/>
         </p:nvPicPr>
         <p:blipFill rotWithShape="1">
-          <a:blip r:embed="rId4" cstate="hqprint">
+          <a:blip r:embed="rId5" cstate="print">
             <a:extLst>
               <a:ext uri="{28A0092B-C50C-407E-A947-70E740481C1C}">
                 <a14:useLocalDpi xmlns:a14="http://schemas.microsoft.com/office/drawing/2010/main" val="0"/>
@@ -11114,7 +11162,7 @@
           <p:nvPr/>
         </p:nvPicPr>
         <p:blipFill>
-          <a:blip r:embed="rId1"/>
+          <a:blip r:embed="rId2"/>
           <a:stretch>
             <a:fillRect/>
           </a:stretch>
@@ -11138,7 +11186,7 @@
           <p:nvPr/>
         </p:nvPicPr>
         <p:blipFill rotWithShape="1">
-          <a:blip r:embed="rId2" cstate="print">
+          <a:blip r:embed="rId3" cstate="print">
             <a:extLst>
               <a:ext uri="{28A0092B-C50C-407E-A947-70E740481C1C}">
                 <a14:useLocalDpi xmlns:a14="http://schemas.microsoft.com/office/drawing/2010/main" val="0"/>
@@ -11189,7 +11237,13 @@
                 <a:tableStyleId>{5C22544A-7EE6-4342-B048-85BDC9FD1C3A}</a:tableStyleId>
               </a:tblPr>
               <a:tblGrid>
-                <a:gridCol w="1926038"/>
+                <a:gridCol w="1926038">
+                  <a:extLst>
+                    <a:ext uri="{9D8B030D-6E8A-4147-A177-3AD203B41FA5}">
+                      <a16:colId xmlns:a16="http://schemas.microsoft.com/office/drawing/2014/main" val="20000"/>
+                    </a:ext>
+                  </a:extLst>
+                </a:gridCol>
               </a:tblGrid>
               <a:tr h="370840">
                 <a:tc>
@@ -11206,6 +11260,11 @@
                   </a:txBody>
                   <a:tcPr/>
                 </a:tc>
+                <a:extLst>
+                  <a:ext uri="{0D108BD9-81ED-4DB2-BD59-A6C34878D82A}">
+                    <a16:rowId xmlns:a16="http://schemas.microsoft.com/office/drawing/2014/main" val="10000"/>
+                  </a:ext>
+                </a:extLst>
               </a:tr>
               <a:tr h="370840">
                 <a:tc>
@@ -11222,6 +11281,11 @@
                   </a:txBody>
                   <a:tcPr/>
                 </a:tc>
+                <a:extLst>
+                  <a:ext uri="{0D108BD9-81ED-4DB2-BD59-A6C34878D82A}">
+                    <a16:rowId xmlns:a16="http://schemas.microsoft.com/office/drawing/2014/main" val="10001"/>
+                  </a:ext>
+                </a:extLst>
               </a:tr>
               <a:tr h="370840">
                 <a:tc>
@@ -11238,6 +11302,11 @@
                   </a:txBody>
                   <a:tcPr/>
                 </a:tc>
+                <a:extLst>
+                  <a:ext uri="{0D108BD9-81ED-4DB2-BD59-A6C34878D82A}">
+                    <a16:rowId xmlns:a16="http://schemas.microsoft.com/office/drawing/2014/main" val="10002"/>
+                  </a:ext>
+                </a:extLst>
               </a:tr>
               <a:tr h="370840">
                 <a:tc>
@@ -11254,6 +11323,11 @@
                   </a:txBody>
                   <a:tcPr/>
                 </a:tc>
+                <a:extLst>
+                  <a:ext uri="{0D108BD9-81ED-4DB2-BD59-A6C34878D82A}">
+                    <a16:rowId xmlns:a16="http://schemas.microsoft.com/office/drawing/2014/main" val="10003"/>
+                  </a:ext>
+                </a:extLst>
               </a:tr>
               <a:tr h="370840">
                 <a:tc>
@@ -11270,6 +11344,11 @@
                   </a:txBody>
                   <a:tcPr/>
                 </a:tc>
+                <a:extLst>
+                  <a:ext uri="{0D108BD9-81ED-4DB2-BD59-A6C34878D82A}">
+                    <a16:rowId xmlns:a16="http://schemas.microsoft.com/office/drawing/2014/main" val="10004"/>
+                  </a:ext>
+                </a:extLst>
               </a:tr>
             </a:tbl>
           </a:graphicData>
@@ -11327,7 +11406,13 @@
                 <a:tableStyleId>{5C22544A-7EE6-4342-B048-85BDC9FD1C3A}</a:tableStyleId>
               </a:tblPr>
               <a:tblGrid>
-                <a:gridCol w="1193447"/>
+                <a:gridCol w="1193447">
+                  <a:extLst>
+                    <a:ext uri="{9D8B030D-6E8A-4147-A177-3AD203B41FA5}">
+                      <a16:colId xmlns:a16="http://schemas.microsoft.com/office/drawing/2014/main" val="20000"/>
+                    </a:ext>
+                  </a:extLst>
+                </a:gridCol>
               </a:tblGrid>
               <a:tr h="370840">
                 <a:tc>
@@ -11344,6 +11429,11 @@
                   </a:txBody>
                   <a:tcPr/>
                 </a:tc>
+                <a:extLst>
+                  <a:ext uri="{0D108BD9-81ED-4DB2-BD59-A6C34878D82A}">
+                    <a16:rowId xmlns:a16="http://schemas.microsoft.com/office/drawing/2014/main" val="10000"/>
+                  </a:ext>
+                </a:extLst>
               </a:tr>
               <a:tr h="370840">
                 <a:tc>
@@ -11360,6 +11450,11 @@
                   </a:txBody>
                   <a:tcPr/>
                 </a:tc>
+                <a:extLst>
+                  <a:ext uri="{0D108BD9-81ED-4DB2-BD59-A6C34878D82A}">
+                    <a16:rowId xmlns:a16="http://schemas.microsoft.com/office/drawing/2014/main" val="10001"/>
+                  </a:ext>
+                </a:extLst>
               </a:tr>
               <a:tr h="370840">
                 <a:tc>
@@ -11376,6 +11471,11 @@
                   </a:txBody>
                   <a:tcPr/>
                 </a:tc>
+                <a:extLst>
+                  <a:ext uri="{0D108BD9-81ED-4DB2-BD59-A6C34878D82A}">
+                    <a16:rowId xmlns:a16="http://schemas.microsoft.com/office/drawing/2014/main" val="10002"/>
+                  </a:ext>
+                </a:extLst>
               </a:tr>
             </a:tbl>
           </a:graphicData>
@@ -11433,7 +11533,13 @@
                 <a:tableStyleId>{5C22544A-7EE6-4342-B048-85BDC9FD1C3A}</a:tableStyleId>
               </a:tblPr>
               <a:tblGrid>
-                <a:gridCol w="1193447"/>
+                <a:gridCol w="1193447">
+                  <a:extLst>
+                    <a:ext uri="{9D8B030D-6E8A-4147-A177-3AD203B41FA5}">
+                      <a16:colId xmlns:a16="http://schemas.microsoft.com/office/drawing/2014/main" val="20000"/>
+                    </a:ext>
+                  </a:extLst>
+                </a:gridCol>
               </a:tblGrid>
               <a:tr h="370840">
                 <a:tc>
@@ -11450,6 +11556,11 @@
                   </a:txBody>
                   <a:tcPr/>
                 </a:tc>
+                <a:extLst>
+                  <a:ext uri="{0D108BD9-81ED-4DB2-BD59-A6C34878D82A}">
+                    <a16:rowId xmlns:a16="http://schemas.microsoft.com/office/drawing/2014/main" val="10000"/>
+                  </a:ext>
+                </a:extLst>
               </a:tr>
               <a:tr h="370840">
                 <a:tc>
@@ -11466,6 +11577,11 @@
                   </a:txBody>
                   <a:tcPr/>
                 </a:tc>
+                <a:extLst>
+                  <a:ext uri="{0D108BD9-81ED-4DB2-BD59-A6C34878D82A}">
+                    <a16:rowId xmlns:a16="http://schemas.microsoft.com/office/drawing/2014/main" val="10001"/>
+                  </a:ext>
+                </a:extLst>
               </a:tr>
               <a:tr h="370840">
                 <a:tc>
@@ -11482,6 +11598,11 @@
                   </a:txBody>
                   <a:tcPr/>
                 </a:tc>
+                <a:extLst>
+                  <a:ext uri="{0D108BD9-81ED-4DB2-BD59-A6C34878D82A}">
+                    <a16:rowId xmlns:a16="http://schemas.microsoft.com/office/drawing/2014/main" val="10002"/>
+                  </a:ext>
+                </a:extLst>
               </a:tr>
             </a:tbl>
           </a:graphicData>
@@ -11539,7 +11660,13 @@
                 <a:tableStyleId>{5C22544A-7EE6-4342-B048-85BDC9FD1C3A}</a:tableStyleId>
               </a:tblPr>
               <a:tblGrid>
-                <a:gridCol w="2685586"/>
+                <a:gridCol w="2685586">
+                  <a:extLst>
+                    <a:ext uri="{9D8B030D-6E8A-4147-A177-3AD203B41FA5}">
+                      <a16:colId xmlns:a16="http://schemas.microsoft.com/office/drawing/2014/main" val="20000"/>
+                    </a:ext>
+                  </a:extLst>
+                </a:gridCol>
               </a:tblGrid>
               <a:tr h="390525">
                 <a:tc>
@@ -11556,6 +11683,11 @@
                   </a:txBody>
                   <a:tcPr/>
                 </a:tc>
+                <a:extLst>
+                  <a:ext uri="{0D108BD9-81ED-4DB2-BD59-A6C34878D82A}">
+                    <a16:rowId xmlns:a16="http://schemas.microsoft.com/office/drawing/2014/main" val="10000"/>
+                  </a:ext>
+                </a:extLst>
               </a:tr>
             </a:tbl>
           </a:graphicData>
@@ -11763,7 +11895,7 @@
           <p:nvPr/>
         </p:nvPicPr>
         <p:blipFill>
-          <a:blip r:embed="rId1"/>
+          <a:blip r:embed="rId2"/>
           <a:stretch>
             <a:fillRect/>
           </a:stretch>
@@ -11787,7 +11919,7 @@
           <p:nvPr/>
         </p:nvPicPr>
         <p:blipFill>
-          <a:blip r:embed="rId2" cstate="print">
+          <a:blip r:embed="rId3" cstate="print">
             <a:extLst>
               <a:ext uri="{28A0092B-C50C-407E-A947-70E740481C1C}">
                 <a14:useLocalDpi xmlns:a14="http://schemas.microsoft.com/office/drawing/2010/main" val="0"/>
@@ -11838,7 +11970,13 @@
                 <a:tableStyleId>{5C22544A-7EE6-4342-B048-85BDC9FD1C3A}</a:tableStyleId>
               </a:tblPr>
               <a:tblGrid>
-                <a:gridCol w="1926038"/>
+                <a:gridCol w="1926038">
+                  <a:extLst>
+                    <a:ext uri="{9D8B030D-6E8A-4147-A177-3AD203B41FA5}">
+                      <a16:colId xmlns:a16="http://schemas.microsoft.com/office/drawing/2014/main" val="20000"/>
+                    </a:ext>
+                  </a:extLst>
+                </a:gridCol>
               </a:tblGrid>
               <a:tr h="370840">
                 <a:tc>
@@ -11855,6 +11993,11 @@
                   </a:txBody>
                   <a:tcPr/>
                 </a:tc>
+                <a:extLst>
+                  <a:ext uri="{0D108BD9-81ED-4DB2-BD59-A6C34878D82A}">
+                    <a16:rowId xmlns:a16="http://schemas.microsoft.com/office/drawing/2014/main" val="10000"/>
+                  </a:ext>
+                </a:extLst>
               </a:tr>
               <a:tr h="370840">
                 <a:tc>
@@ -11871,6 +12014,11 @@
                   </a:txBody>
                   <a:tcPr/>
                 </a:tc>
+                <a:extLst>
+                  <a:ext uri="{0D108BD9-81ED-4DB2-BD59-A6C34878D82A}">
+                    <a16:rowId xmlns:a16="http://schemas.microsoft.com/office/drawing/2014/main" val="10001"/>
+                  </a:ext>
+                </a:extLst>
               </a:tr>
               <a:tr h="370840">
                 <a:tc>
@@ -11887,6 +12035,11 @@
                   </a:txBody>
                   <a:tcPr/>
                 </a:tc>
+                <a:extLst>
+                  <a:ext uri="{0D108BD9-81ED-4DB2-BD59-A6C34878D82A}">
+                    <a16:rowId xmlns:a16="http://schemas.microsoft.com/office/drawing/2014/main" val="10002"/>
+                  </a:ext>
+                </a:extLst>
               </a:tr>
               <a:tr h="370840">
                 <a:tc>
@@ -11903,6 +12056,11 @@
                   </a:txBody>
                   <a:tcPr/>
                 </a:tc>
+                <a:extLst>
+                  <a:ext uri="{0D108BD9-81ED-4DB2-BD59-A6C34878D82A}">
+                    <a16:rowId xmlns:a16="http://schemas.microsoft.com/office/drawing/2014/main" val="10003"/>
+                  </a:ext>
+                </a:extLst>
               </a:tr>
               <a:tr h="370840">
                 <a:tc>
@@ -11919,6 +12077,11 @@
                   </a:txBody>
                   <a:tcPr/>
                 </a:tc>
+                <a:extLst>
+                  <a:ext uri="{0D108BD9-81ED-4DB2-BD59-A6C34878D82A}">
+                    <a16:rowId xmlns:a16="http://schemas.microsoft.com/office/drawing/2014/main" val="10004"/>
+                  </a:ext>
+                </a:extLst>
               </a:tr>
             </a:tbl>
           </a:graphicData>
@@ -11976,7 +12139,13 @@
                 <a:tableStyleId>{5C22544A-7EE6-4342-B048-85BDC9FD1C3A}</a:tableStyleId>
               </a:tblPr>
               <a:tblGrid>
-                <a:gridCol w="1193447"/>
+                <a:gridCol w="1193447">
+                  <a:extLst>
+                    <a:ext uri="{9D8B030D-6E8A-4147-A177-3AD203B41FA5}">
+                      <a16:colId xmlns:a16="http://schemas.microsoft.com/office/drawing/2014/main" val="20000"/>
+                    </a:ext>
+                  </a:extLst>
+                </a:gridCol>
               </a:tblGrid>
               <a:tr h="370840">
                 <a:tc>
@@ -11993,6 +12162,11 @@
                   </a:txBody>
                   <a:tcPr/>
                 </a:tc>
+                <a:extLst>
+                  <a:ext uri="{0D108BD9-81ED-4DB2-BD59-A6C34878D82A}">
+                    <a16:rowId xmlns:a16="http://schemas.microsoft.com/office/drawing/2014/main" val="10000"/>
+                  </a:ext>
+                </a:extLst>
               </a:tr>
               <a:tr h="370840">
                 <a:tc>
@@ -12009,6 +12183,11 @@
                   </a:txBody>
                   <a:tcPr/>
                 </a:tc>
+                <a:extLst>
+                  <a:ext uri="{0D108BD9-81ED-4DB2-BD59-A6C34878D82A}">
+                    <a16:rowId xmlns:a16="http://schemas.microsoft.com/office/drawing/2014/main" val="10001"/>
+                  </a:ext>
+                </a:extLst>
               </a:tr>
               <a:tr h="370840">
                 <a:tc>
@@ -12025,6 +12204,11 @@
                   </a:txBody>
                   <a:tcPr/>
                 </a:tc>
+                <a:extLst>
+                  <a:ext uri="{0D108BD9-81ED-4DB2-BD59-A6C34878D82A}">
+                    <a16:rowId xmlns:a16="http://schemas.microsoft.com/office/drawing/2014/main" val="10002"/>
+                  </a:ext>
+                </a:extLst>
               </a:tr>
             </a:tbl>
           </a:graphicData>
@@ -12117,7 +12301,13 @@
                 <a:tableStyleId>{5C22544A-7EE6-4342-B048-85BDC9FD1C3A}</a:tableStyleId>
               </a:tblPr>
               <a:tblGrid>
-                <a:gridCol w="2685586"/>
+                <a:gridCol w="2685586">
+                  <a:extLst>
+                    <a:ext uri="{9D8B030D-6E8A-4147-A177-3AD203B41FA5}">
+                      <a16:colId xmlns:a16="http://schemas.microsoft.com/office/drawing/2014/main" val="20000"/>
+                    </a:ext>
+                  </a:extLst>
+                </a:gridCol>
               </a:tblGrid>
               <a:tr h="390525">
                 <a:tc>
@@ -12134,6 +12324,11 @@
                   </a:txBody>
                   <a:tcPr/>
                 </a:tc>
+                <a:extLst>
+                  <a:ext uri="{0D108BD9-81ED-4DB2-BD59-A6C34878D82A}">
+                    <a16:rowId xmlns:a16="http://schemas.microsoft.com/office/drawing/2014/main" val="10000"/>
+                  </a:ext>
+                </a:extLst>
               </a:tr>
             </a:tbl>
           </a:graphicData>
@@ -12158,7 +12353,13 @@
                 <a:tableStyleId>{5C22544A-7EE6-4342-B048-85BDC9FD1C3A}</a:tableStyleId>
               </a:tblPr>
               <a:tblGrid>
-                <a:gridCol w="2685586"/>
+                <a:gridCol w="2685586">
+                  <a:extLst>
+                    <a:ext uri="{9D8B030D-6E8A-4147-A177-3AD203B41FA5}">
+                      <a16:colId xmlns:a16="http://schemas.microsoft.com/office/drawing/2014/main" val="20000"/>
+                    </a:ext>
+                  </a:extLst>
+                </a:gridCol>
               </a:tblGrid>
               <a:tr h="390525">
                 <a:tc>
@@ -12175,6 +12376,11 @@
                   </a:txBody>
                   <a:tcPr/>
                 </a:tc>
+                <a:extLst>
+                  <a:ext uri="{0D108BD9-81ED-4DB2-BD59-A6C34878D82A}">
+                    <a16:rowId xmlns:a16="http://schemas.microsoft.com/office/drawing/2014/main" val="10000"/>
+                  </a:ext>
+                </a:extLst>
               </a:tr>
             </a:tbl>
           </a:graphicData>
@@ -12232,7 +12438,13 @@
                 <a:tableStyleId>{5C22544A-7EE6-4342-B048-85BDC9FD1C3A}</a:tableStyleId>
               </a:tblPr>
               <a:tblGrid>
-                <a:gridCol w="2685586"/>
+                <a:gridCol w="2685586">
+                  <a:extLst>
+                    <a:ext uri="{9D8B030D-6E8A-4147-A177-3AD203B41FA5}">
+                      <a16:colId xmlns:a16="http://schemas.microsoft.com/office/drawing/2014/main" val="20000"/>
+                    </a:ext>
+                  </a:extLst>
+                </a:gridCol>
               </a:tblGrid>
               <a:tr h="390525">
                 <a:tc>
@@ -12249,6 +12461,11 @@
                   </a:txBody>
                   <a:tcPr/>
                 </a:tc>
+                <a:extLst>
+                  <a:ext uri="{0D108BD9-81ED-4DB2-BD59-A6C34878D82A}">
+                    <a16:rowId xmlns:a16="http://schemas.microsoft.com/office/drawing/2014/main" val="10000"/>
+                  </a:ext>
+                </a:extLst>
               </a:tr>
             </a:tbl>
           </a:graphicData>
@@ -12273,7 +12490,13 @@
                 <a:tableStyleId>{5C22544A-7EE6-4342-B048-85BDC9FD1C3A}</a:tableStyleId>
               </a:tblPr>
               <a:tblGrid>
-                <a:gridCol w="2685586"/>
+                <a:gridCol w="2685586">
+                  <a:extLst>
+                    <a:ext uri="{9D8B030D-6E8A-4147-A177-3AD203B41FA5}">
+                      <a16:colId xmlns:a16="http://schemas.microsoft.com/office/drawing/2014/main" val="20000"/>
+                    </a:ext>
+                  </a:extLst>
+                </a:gridCol>
               </a:tblGrid>
               <a:tr h="390525">
                 <a:tc>
@@ -12290,6 +12513,11 @@
                   </a:txBody>
                   <a:tcPr/>
                 </a:tc>
+                <a:extLst>
+                  <a:ext uri="{0D108BD9-81ED-4DB2-BD59-A6C34878D82A}">
+                    <a16:rowId xmlns:a16="http://schemas.microsoft.com/office/drawing/2014/main" val="10000"/>
+                  </a:ext>
+                </a:extLst>
               </a:tr>
             </a:tbl>
           </a:graphicData>
@@ -12596,7 +12824,7 @@
           <p:nvPr/>
         </p:nvPicPr>
         <p:blipFill rotWithShape="1">
-          <a:blip r:embed="rId1">
+          <a:blip r:embed="rId2">
             <a:extLst>
               <a:ext uri="{28A0092B-C50C-407E-A947-70E740481C1C}">
                 <a14:useLocalDpi xmlns:a14="http://schemas.microsoft.com/office/drawing/2010/main" val="0"/>
@@ -12637,7 +12865,7 @@
           <p:nvPr/>
         </p:nvPicPr>
         <p:blipFill rotWithShape="1">
-          <a:blip r:embed="rId1">
+          <a:blip r:embed="rId2">
             <a:extLst>
               <a:ext uri="{28A0092B-C50C-407E-A947-70E740481C1C}">
                 <a14:useLocalDpi xmlns:a14="http://schemas.microsoft.com/office/drawing/2010/main" val="0"/>
@@ -12678,7 +12906,7 @@
           <p:nvPr/>
         </p:nvPicPr>
         <p:blipFill rotWithShape="1">
-          <a:blip r:embed="rId1">
+          <a:blip r:embed="rId2">
             <a:extLst>
               <a:ext uri="{28A0092B-C50C-407E-A947-70E740481C1C}">
                 <a14:useLocalDpi xmlns:a14="http://schemas.microsoft.com/office/drawing/2010/main" val="0"/>
@@ -12816,7 +13044,6 @@
               <a:rPr lang="es-PE" dirty="0"/>
               <a:t>https://developer.paypal.com/docs/api/catalog-products/v1/#products_create</a:t>
             </a:r>
-            <a:endParaRPr lang="es-PE" dirty="0"/>
           </a:p>
         </p:txBody>
       </p:sp>
@@ -12846,7 +13073,6 @@
               <a:rPr lang="es-PE" dirty="0"/>
               <a:t>https://developer.paypal.com/docs/api/subscriptions/v1/#plans_create</a:t>
             </a:r>
-            <a:endParaRPr lang="es-PE" dirty="0"/>
           </a:p>
         </p:txBody>
       </p:sp>
@@ -12990,7 +13216,7 @@
           <p:nvPr/>
         </p:nvPicPr>
         <p:blipFill>
-          <a:blip r:embed="rId1">
+          <a:blip r:embed="rId2">
             <a:extLst>
               <a:ext uri="{28A0092B-C50C-407E-A947-70E740481C1C}">
                 <a14:useLocalDpi xmlns:a14="http://schemas.microsoft.com/office/drawing/2010/main" val="0"/>
@@ -13031,7 +13257,7 @@
           <p:nvPr/>
         </p:nvPicPr>
         <p:blipFill>
-          <a:blip r:embed="rId1">
+          <a:blip r:embed="rId2">
             <a:extLst>
               <a:ext uri="{28A0092B-C50C-407E-A947-70E740481C1C}">
                 <a14:useLocalDpi xmlns:a14="http://schemas.microsoft.com/office/drawing/2010/main" val="0"/>
@@ -13072,7 +13298,7 @@
           <p:nvPr/>
         </p:nvPicPr>
         <p:blipFill>
-          <a:blip r:embed="rId2"/>
+          <a:blip r:embed="rId3"/>
           <a:stretch>
             <a:fillRect/>
           </a:stretch>
@@ -13113,7 +13339,6 @@
               <a:rPr lang="es-PE" dirty="0"/>
               <a:t>https://github.com/leifermendez/laravel-paypal-subscription</a:t>
             </a:r>
-            <a:endParaRPr lang="es-PE" dirty="0"/>
           </a:p>
         </p:txBody>
       </p:sp>
@@ -13199,14 +13424,6 @@
               </a:rPr>
               <a:t> OBTENER LLAVES:</a:t>
             </a:r>
-            <a:endParaRPr kumimoji="0" lang="es-PE" altLang="es-PE" sz="1600" b="0" i="0" u="none" strike="noStrike" cap="none" normalizeH="0" baseline="0" dirty="0">
-              <a:ln>
-                <a:noFill/>
-              </a:ln>
-              <a:effectLst/>
-              <a:latin typeface="+mj-lt"/>
-              <a:cs typeface="Arial" panose="020B0604020202020204" pitchFamily="34" charset="0"/>
-            </a:endParaRPr>
           </a:p>
           <a:p>
             <a:pPr marL="0" marR="0" lvl="0" indent="0" algn="l" defTabSz="914400" rtl="0" eaLnBrk="0" fontAlgn="base" latinLnBrk="0" hangingPunct="0">
@@ -13282,14 +13499,6 @@
               </a:rPr>
               <a:t> </a:t>
             </a:r>
-            <a:endParaRPr kumimoji="0" lang="es-PE" altLang="es-PE" sz="1600" b="0" i="0" u="none" strike="noStrike" cap="none" normalizeH="0" baseline="0" dirty="0">
-              <a:ln>
-                <a:noFill/>
-              </a:ln>
-              <a:effectLst/>
-              <a:latin typeface="+mj-lt"/>
-              <a:cs typeface="Arial" panose="020B0604020202020204" pitchFamily="34" charset="0"/>
-            </a:endParaRPr>
           </a:p>
           <a:p>
             <a:pPr marL="0" marR="0" lvl="0" indent="0" algn="l" defTabSz="914400" rtl="0" eaLnBrk="0" fontAlgn="base" latinLnBrk="0" hangingPunct="0">
@@ -13340,14 +13549,6 @@
               </a:rPr>
               <a:t> </a:t>
             </a:r>
-            <a:endParaRPr kumimoji="0" lang="es-PE" altLang="es-PE" sz="1600" b="0" i="0" u="none" strike="noStrike" cap="none" normalizeH="0" baseline="0" dirty="0">
-              <a:ln>
-                <a:noFill/>
-              </a:ln>
-              <a:effectLst/>
-              <a:latin typeface="+mj-lt"/>
-              <a:cs typeface="Arial" panose="020B0604020202020204" pitchFamily="34" charset="0"/>
-            </a:endParaRPr>
           </a:p>
           <a:p>
             <a:pPr marL="0" marR="0" lvl="0" indent="0" algn="l" defTabSz="914400" rtl="0" eaLnBrk="0" fontAlgn="base" latinLnBrk="0" hangingPunct="0">
@@ -13428,10 +13629,6 @@
               </a:rPr>
               <a:t>Productos</a:t>
             </a:r>
-            <a:endParaRPr lang="es-ES" b="1" i="0" dirty="0">
-              <a:effectLst/>
-              <a:latin typeface="-apple-system"/>
-            </a:endParaRPr>
           </a:p>
         </p:txBody>
       </p:sp>
@@ -13444,7 +13641,7 @@
           <p:nvPr/>
         </p:nvPicPr>
         <p:blipFill>
-          <a:blip r:embed="rId3"/>
+          <a:blip r:embed="rId4"/>
           <a:stretch>
             <a:fillRect/>
           </a:stretch>
@@ -13489,10 +13686,6 @@
               </a:rPr>
               <a:t>Planes</a:t>
             </a:r>
-            <a:endParaRPr lang="es-ES" b="1" i="0" dirty="0">
-              <a:effectLst/>
-              <a:latin typeface="-apple-system"/>
-            </a:endParaRPr>
           </a:p>
         </p:txBody>
       </p:sp>
@@ -13505,7 +13698,7 @@
           <p:nvPr/>
         </p:nvPicPr>
         <p:blipFill>
-          <a:blip r:embed="rId4"/>
+          <a:blip r:embed="rId5"/>
           <a:stretch>
             <a:fillRect/>
           </a:stretch>
@@ -13529,7 +13722,7 @@
           <p:nvPr/>
         </p:nvPicPr>
         <p:blipFill rotWithShape="1">
-          <a:blip r:embed="rId5" cstate="hqprint">
+          <a:blip r:embed="rId6" cstate="print">
             <a:extLst>
               <a:ext uri="{28A0092B-C50C-407E-A947-70E740481C1C}">
                 <a14:useLocalDpi xmlns:a14="http://schemas.microsoft.com/office/drawing/2010/main" val="0"/>
@@ -13701,7 +13894,7 @@
           <p:nvPr/>
         </p:nvPicPr>
         <p:blipFill>
-          <a:blip r:embed="rId1">
+          <a:blip r:embed="rId2">
             <a:extLst>
               <a:ext uri="{28A0092B-C50C-407E-A947-70E740481C1C}">
                 <a14:useLocalDpi xmlns:a14="http://schemas.microsoft.com/office/drawing/2010/main" val="0"/>
@@ -13742,7 +13935,7 @@
           <p:nvPr/>
         </p:nvPicPr>
         <p:blipFill>
-          <a:blip r:embed="rId1">
+          <a:blip r:embed="rId2">
             <a:extLst>
               <a:ext uri="{28A0092B-C50C-407E-A947-70E740481C1C}">
                 <a14:useLocalDpi xmlns:a14="http://schemas.microsoft.com/office/drawing/2010/main" val="0"/>
@@ -13783,7 +13976,7 @@
           <p:nvPr/>
         </p:nvPicPr>
         <p:blipFill>
-          <a:blip r:embed="rId2"/>
+          <a:blip r:embed="rId3"/>
           <a:stretch>
             <a:fillRect/>
           </a:stretch>
@@ -13807,7 +14000,7 @@
           <p:nvPr/>
         </p:nvPicPr>
         <p:blipFill rotWithShape="1">
-          <a:blip r:embed="rId3" cstate="hqprint">
+          <a:blip r:embed="rId4" cstate="print">
             <a:extLst>
               <a:ext uri="{28A0092B-C50C-407E-A947-70E740481C1C}">
                 <a14:useLocalDpi xmlns:a14="http://schemas.microsoft.com/office/drawing/2010/main" val="0"/>
@@ -13947,12 +14140,6 @@
               </a:rPr>
               <a:t> para especificar la cantidad de unidades de tiempo entre cada ciclo.</a:t>
             </a:r>
-            <a:endParaRPr lang="es-PE" sz="1400" kern="100" dirty="0">
-              <a:effectLst/>
-              <a:latin typeface="Calibri" panose="020F0502020204030204" pitchFamily="34" charset="0"/>
-              <a:ea typeface="Calibri" panose="020F0502020204030204" pitchFamily="34" charset="0"/>
-              <a:cs typeface="Times New Roman" panose="02020603050405020304" pitchFamily="18" charset="0"/>
-            </a:endParaRPr>
           </a:p>
           <a:p>
             <a:pPr marL="342900" lvl="0" indent="-342900">
@@ -14023,12 +14210,6 @@
               </a:rPr>
               <a:t> para los ciclos posteriores, que representan el período regular de facturación.</a:t>
             </a:r>
-            <a:endParaRPr lang="es-PE" sz="1400" kern="100" dirty="0">
-              <a:effectLst/>
-              <a:latin typeface="Calibri" panose="020F0502020204030204" pitchFamily="34" charset="0"/>
-              <a:ea typeface="Calibri" panose="020F0502020204030204" pitchFamily="34" charset="0"/>
-              <a:cs typeface="Times New Roman" panose="02020603050405020304" pitchFamily="18" charset="0"/>
-            </a:endParaRPr>
           </a:p>
           <a:p>
             <a:pPr marL="342900" lvl="0" indent="-342900">
@@ -14117,12 +14298,6 @@
               </a:rPr>
               <a:t>) es el período regular.</a:t>
             </a:r>
-            <a:endParaRPr lang="es-PE" sz="1400" kern="100" dirty="0">
-              <a:effectLst/>
-              <a:latin typeface="Calibri" panose="020F0502020204030204" pitchFamily="34" charset="0"/>
-              <a:ea typeface="Calibri" panose="020F0502020204030204" pitchFamily="34" charset="0"/>
-              <a:cs typeface="Times New Roman" panose="02020603050405020304" pitchFamily="18" charset="0"/>
-            </a:endParaRPr>
           </a:p>
           <a:p>
             <a:pPr marL="342900" lvl="0" indent="-342900">
@@ -14211,12 +14386,6 @@
               </a:rPr>
               <a:t> para indicar que no hay un límite en la cantidad de ciclos.</a:t>
             </a:r>
-            <a:endParaRPr lang="es-PE" sz="1400" kern="100" dirty="0">
-              <a:effectLst/>
-              <a:latin typeface="Calibri" panose="020F0502020204030204" pitchFamily="34" charset="0"/>
-              <a:ea typeface="Calibri" panose="020F0502020204030204" pitchFamily="34" charset="0"/>
-              <a:cs typeface="Times New Roman" panose="02020603050405020304" pitchFamily="18" charset="0"/>
-            </a:endParaRPr>
           </a:p>
           <a:p>
             <a:pPr marL="342900" lvl="0" indent="-342900">
@@ -14359,12 +14528,6 @@
               </a:rPr>
               <a:t> para dólares estadounidenses).</a:t>
             </a:r>
-            <a:endParaRPr lang="es-PE" sz="1400" kern="100" dirty="0">
-              <a:effectLst/>
-              <a:latin typeface="Calibri" panose="020F0502020204030204" pitchFamily="34" charset="0"/>
-              <a:ea typeface="Calibri" panose="020F0502020204030204" pitchFamily="34" charset="0"/>
-              <a:cs typeface="Times New Roman" panose="02020603050405020304" pitchFamily="18" charset="0"/>
-            </a:endParaRPr>
           </a:p>
         </p:txBody>
       </p:sp>
@@ -14627,6 +14790,8 @@
       </a:bgFillStyleLst>
     </a:fmtScheme>
   </a:themeElements>
+  <a:objectDefaults/>
+  <a:extraClrSchemeLst/>
   <a:extLst>
     <a:ext uri="{05A4C25C-085E-4340-85A3-A5531E510DB2}">
       <thm15:themeFamily xmlns:thm15="http://schemas.microsoft.com/office/thememl/2012/main" name="Office Theme" id="{62F939B6-93AF-4DB8-9C6B-D6C7DFDC589F}" vid="{4A3C46E8-61CC-4603-A589-7422A47A8E4A}"/>
